--- a/doc/573D2.pptx
+++ b/doc/573D2.pptx
@@ -22,26 +22,23 @@
     <p:sldId id="267" r:id="rId18"/>
     <p:sldId id="268" r:id="rId19"/>
     <p:sldId id="269" r:id="rId20"/>
-    <p:sldId id="270" r:id="rId21"/>
-    <p:sldId id="271" r:id="rId22"/>
-    <p:sldId id="272" r:id="rId23"/>
   </p:sldIdLst>
   <p:sldSz cy="5143500" cx="9144000"/>
   <p:notesSz cx="6858000" cy="9144000"/>
   <p:embeddedFontLst>
     <p:embeddedFont>
       <p:font typeface="Economica"/>
-      <p:regular r:id="rId24"/>
-      <p:bold r:id="rId25"/>
-      <p:italic r:id="rId26"/>
-      <p:boldItalic r:id="rId27"/>
+      <p:regular r:id="rId21"/>
+      <p:bold r:id="rId22"/>
+      <p:italic r:id="rId23"/>
+      <p:boldItalic r:id="rId24"/>
     </p:embeddedFont>
     <p:embeddedFont>
       <p:font typeface="Open Sans"/>
-      <p:regular r:id="rId28"/>
-      <p:bold r:id="rId29"/>
-      <p:italic r:id="rId30"/>
-      <p:boldItalic r:id="rId31"/>
+      <p:regular r:id="rId25"/>
+      <p:bold r:id="rId26"/>
+      <p:italic r:id="rId27"/>
+      <p:boldItalic r:id="rId28"/>
     </p:embeddedFont>
   </p:embeddedFontLst>
   <p:defaultTextStyle>
@@ -820,7 +817,7 @@
   <p:cSld>
     <p:spTree>
       <p:nvGrpSpPr>
-        <p:cNvPr id="239" name="Shape 239"/>
+        <p:cNvPr id="240" name="Shape 240"/>
         <p:cNvGrpSpPr/>
         <p:nvPr/>
       </p:nvGrpSpPr>
@@ -834,7 +831,7 @@
       </p:grpSpPr>
       <p:sp>
         <p:nvSpPr>
-          <p:cNvPr id="240" name="Google Shape;240;g58edf69012_0_10:notes"/>
+          <p:cNvPr id="241" name="Google Shape;241;g58edf69012_0_39:notes"/>
           <p:cNvSpPr/>
           <p:nvPr>
             <p:ph idx="2" type="sldImg"/>
@@ -869,7 +866,7 @@
       </p:sp>
       <p:sp>
         <p:nvSpPr>
-          <p:cNvPr id="241" name="Google Shape;241;g58edf69012_0_10:notes"/>
+          <p:cNvPr id="242" name="Google Shape;242;g58edf69012_0_39:notes"/>
           <p:cNvSpPr txBox="1"/>
           <p:nvPr>
             <p:ph idx="1" type="body"/>
@@ -919,7 +916,7 @@
   <p:cSld>
     <p:spTree>
       <p:nvGrpSpPr>
-        <p:cNvPr id="246" name="Shape 246"/>
+        <p:cNvPr id="245" name="Shape 245"/>
         <p:cNvGrpSpPr/>
         <p:nvPr/>
       </p:nvGrpSpPr>
@@ -933,7 +930,7 @@
       </p:grpSpPr>
       <p:sp>
         <p:nvSpPr>
-          <p:cNvPr id="247" name="Google Shape;247;g58edf69012_0_39:notes"/>
+          <p:cNvPr id="246" name="Google Shape;246;g58edf69012_0_1196:notes"/>
           <p:cNvSpPr/>
           <p:nvPr>
             <p:ph idx="2" type="sldImg"/>
@@ -968,7 +965,7 @@
       </p:sp>
       <p:sp>
         <p:nvSpPr>
-          <p:cNvPr id="248" name="Google Shape;248;g58edf69012_0_39:notes"/>
+          <p:cNvPr id="247" name="Google Shape;247;g58edf69012_0_1196:notes"/>
           <p:cNvSpPr txBox="1"/>
           <p:nvPr>
             <p:ph idx="1" type="body"/>
@@ -1018,7 +1015,7 @@
   <p:cSld>
     <p:spTree>
       <p:nvGrpSpPr>
-        <p:cNvPr id="251" name="Shape 251"/>
+        <p:cNvPr id="252" name="Shape 252"/>
         <p:cNvGrpSpPr/>
         <p:nvPr/>
       </p:nvGrpSpPr>
@@ -1032,7 +1029,7 @@
       </p:grpSpPr>
       <p:sp>
         <p:nvSpPr>
-          <p:cNvPr id="252" name="Google Shape;252;g58edf69012_0_1196:notes"/>
+          <p:cNvPr id="253" name="Google Shape;253;g58d8d5e6dd_0_0:notes"/>
           <p:cNvSpPr/>
           <p:nvPr>
             <p:ph idx="2" type="sldImg"/>
@@ -1067,7 +1064,7 @@
       </p:sp>
       <p:sp>
         <p:nvSpPr>
-          <p:cNvPr id="253" name="Google Shape;253;g58edf69012_0_1196:notes"/>
+          <p:cNvPr id="254" name="Google Shape;254;g58d8d5e6dd_0_0:notes"/>
           <p:cNvSpPr txBox="1"/>
           <p:nvPr>
             <p:ph idx="1" type="body"/>
@@ -1117,7 +1114,7 @@
   <p:cSld>
     <p:spTree>
       <p:nvGrpSpPr>
-        <p:cNvPr id="258" name="Shape 258"/>
+        <p:cNvPr id="260" name="Shape 260"/>
         <p:cNvGrpSpPr/>
         <p:nvPr/>
       </p:nvGrpSpPr>
@@ -1131,7 +1128,7 @@
       </p:grpSpPr>
       <p:sp>
         <p:nvSpPr>
-          <p:cNvPr id="259" name="Google Shape;259;g58d8d5e6dd_0_0:notes"/>
+          <p:cNvPr id="261" name="Google Shape;261;g58edf69012_0_1492:notes"/>
           <p:cNvSpPr/>
           <p:nvPr>
             <p:ph idx="2" type="sldImg"/>
@@ -1166,7 +1163,7 @@
       </p:sp>
       <p:sp>
         <p:nvSpPr>
-          <p:cNvPr id="260" name="Google Shape;260;g58d8d5e6dd_0_0:notes"/>
+          <p:cNvPr id="262" name="Google Shape;262;g58edf69012_0_1492:notes"/>
           <p:cNvSpPr txBox="1"/>
           <p:nvPr>
             <p:ph idx="1" type="body"/>
@@ -1230,7 +1227,7 @@
       </p:grpSpPr>
       <p:sp>
         <p:nvSpPr>
-          <p:cNvPr id="267" name="Google Shape;267;g58d8d5e6dd_0_12:notes"/>
+          <p:cNvPr id="267" name="Google Shape;267;g58edf69012_0_24:notes"/>
           <p:cNvSpPr/>
           <p:nvPr>
             <p:ph idx="2" type="sldImg"/>
@@ -1265,304 +1262,7 @@
       </p:sp>
       <p:sp>
         <p:nvSpPr>
-          <p:cNvPr id="268" name="Google Shape;268;g58d8d5e6dd_0_12:notes"/>
-          <p:cNvSpPr txBox="1"/>
-          <p:nvPr>
-            <p:ph idx="1" type="body"/>
-          </p:nvPr>
-        </p:nvSpPr>
-        <p:spPr>
-          <a:xfrm>
-            <a:off x="685800" y="4343400"/>
-            <a:ext cx="5486400" cy="4114800"/>
-          </a:xfrm>
-          <a:prstGeom prst="rect">
-            <a:avLst/>
-          </a:prstGeom>
-        </p:spPr>
-        <p:txBody>
-          <a:bodyPr anchorCtr="0" anchor="t" bIns="91425" lIns="91425" spcFirstLastPara="1" rIns="91425" wrap="square" tIns="91425">
-            <a:noAutofit/>
-          </a:bodyPr>
-          <a:lstStyle/>
-          <a:p>
-            <a:pPr indent="0" lvl="0" marL="0" rtl="0" algn="l">
-              <a:spcBef>
-                <a:spcPts val="0"/>
-              </a:spcBef>
-              <a:spcAft>
-                <a:spcPts val="0"/>
-              </a:spcAft>
-              <a:buNone/>
-            </a:pPr>
-            <a:r>
-              <a:t/>
-            </a:r>
-            <a:endParaRPr/>
-          </a:p>
-        </p:txBody>
-      </p:sp>
-    </p:spTree>
-  </p:cSld>
-  <p:clrMapOvr>
-    <a:masterClrMapping/>
-  </p:clrMapOvr>
-</p:notes>
-</file>
-
-<file path=ppt/notesSlides/notesSlide15.xml><?xml version="1.0" encoding="utf-8"?>
-<p:notes xmlns:a="http://schemas.openxmlformats.org/drawingml/2006/main" xmlns:r="http://schemas.openxmlformats.org/officeDocument/2006/relationships" xmlns:mc="http://schemas.openxmlformats.org/markup-compatibility/2006" xmlns:mv="urn:schemas-microsoft-com:mac:vml" xmlns:p="http://schemas.openxmlformats.org/presentationml/2006/main" xmlns:c="http://schemas.openxmlformats.org/drawingml/2006/chart" xmlns:dgm="http://schemas.openxmlformats.org/drawingml/2006/diagram" xmlns:o="urn:schemas-microsoft-com:office:office" xmlns:v="urn:schemas-microsoft-com:vml" xmlns:pvml="urn:schemas-microsoft-com:office:powerpoint" xmlns:com="http://schemas.openxmlformats.org/drawingml/2006/compatibility" xmlns:p14="http://schemas.microsoft.com/office/powerpoint/2010/main" xmlns:p15="http://schemas.microsoft.com/office/powerpoint/2012/main" showMasterPhAnim="0" showMasterSp="0">
-  <p:cSld>
-    <p:spTree>
-      <p:nvGrpSpPr>
-        <p:cNvPr id="272" name="Shape 272"/>
-        <p:cNvGrpSpPr/>
-        <p:nvPr/>
-      </p:nvGrpSpPr>
-      <p:grpSpPr>
-        <a:xfrm>
-          <a:off x="0" y="0"/>
-          <a:ext cx="0" cy="0"/>
-          <a:chOff x="0" y="0"/>
-          <a:chExt cx="0" cy="0"/>
-        </a:xfrm>
-      </p:grpSpPr>
-      <p:sp>
-        <p:nvSpPr>
-          <p:cNvPr id="273" name="Google Shape;273;g58edf69012_0_5:notes"/>
-          <p:cNvSpPr/>
-          <p:nvPr>
-            <p:ph idx="2" type="sldImg"/>
-          </p:nvPr>
-        </p:nvSpPr>
-        <p:spPr>
-          <a:xfrm>
-            <a:off x="381300" y="685800"/>
-            <a:ext cx="6096000" cy="3429000"/>
-          </a:xfrm>
-          <a:custGeom>
-            <a:rect b="b" l="l" r="r" t="t"/>
-            <a:pathLst>
-              <a:path extrusionOk="0" h="120000" w="120000">
-                <a:moveTo>
-                  <a:pt x="0" y="0"/>
-                </a:moveTo>
-                <a:lnTo>
-                  <a:pt x="120000" y="0"/>
-                </a:lnTo>
-                <a:lnTo>
-                  <a:pt x="120000" y="120000"/>
-                </a:lnTo>
-                <a:lnTo>
-                  <a:pt x="0" y="120000"/>
-                </a:lnTo>
-                <a:close/>
-              </a:path>
-            </a:pathLst>
-          </a:custGeom>
-        </p:spPr>
-      </p:sp>
-      <p:sp>
-        <p:nvSpPr>
-          <p:cNvPr id="274" name="Google Shape;274;g58edf69012_0_5:notes"/>
-          <p:cNvSpPr txBox="1"/>
-          <p:nvPr>
-            <p:ph idx="1" type="body"/>
-          </p:nvPr>
-        </p:nvSpPr>
-        <p:spPr>
-          <a:xfrm>
-            <a:off x="685800" y="4343400"/>
-            <a:ext cx="5486400" cy="4114800"/>
-          </a:xfrm>
-          <a:prstGeom prst="rect">
-            <a:avLst/>
-          </a:prstGeom>
-        </p:spPr>
-        <p:txBody>
-          <a:bodyPr anchorCtr="0" anchor="t" bIns="91425" lIns="91425" spcFirstLastPara="1" rIns="91425" wrap="square" tIns="91425">
-            <a:noAutofit/>
-          </a:bodyPr>
-          <a:lstStyle/>
-          <a:p>
-            <a:pPr indent="0" lvl="0" marL="0" rtl="0" algn="l">
-              <a:spcBef>
-                <a:spcPts val="0"/>
-              </a:spcBef>
-              <a:spcAft>
-                <a:spcPts val="0"/>
-              </a:spcAft>
-              <a:buNone/>
-            </a:pPr>
-            <a:r>
-              <a:t/>
-            </a:r>
-            <a:endParaRPr/>
-          </a:p>
-        </p:txBody>
-      </p:sp>
-    </p:spTree>
-  </p:cSld>
-  <p:clrMapOvr>
-    <a:masterClrMapping/>
-  </p:clrMapOvr>
-</p:notes>
-</file>
-
-<file path=ppt/notesSlides/notesSlide16.xml><?xml version="1.0" encoding="utf-8"?>
-<p:notes xmlns:a="http://schemas.openxmlformats.org/drawingml/2006/main" xmlns:r="http://schemas.openxmlformats.org/officeDocument/2006/relationships" xmlns:mc="http://schemas.openxmlformats.org/markup-compatibility/2006" xmlns:mv="urn:schemas-microsoft-com:mac:vml" xmlns:p="http://schemas.openxmlformats.org/presentationml/2006/main" xmlns:c="http://schemas.openxmlformats.org/drawingml/2006/chart" xmlns:dgm="http://schemas.openxmlformats.org/drawingml/2006/diagram" xmlns:o="urn:schemas-microsoft-com:office:office" xmlns:v="urn:schemas-microsoft-com:vml" xmlns:pvml="urn:schemas-microsoft-com:office:powerpoint" xmlns:com="http://schemas.openxmlformats.org/drawingml/2006/compatibility" xmlns:p14="http://schemas.microsoft.com/office/powerpoint/2010/main" xmlns:p15="http://schemas.microsoft.com/office/powerpoint/2012/main" showMasterPhAnim="0" showMasterSp="0">
-  <p:cSld>
-    <p:spTree>
-      <p:nvGrpSpPr>
-        <p:cNvPr id="278" name="Shape 278"/>
-        <p:cNvGrpSpPr/>
-        <p:nvPr/>
-      </p:nvGrpSpPr>
-      <p:grpSpPr>
-        <a:xfrm>
-          <a:off x="0" y="0"/>
-          <a:ext cx="0" cy="0"/>
-          <a:chOff x="0" y="0"/>
-          <a:chExt cx="0" cy="0"/>
-        </a:xfrm>
-      </p:grpSpPr>
-      <p:sp>
-        <p:nvSpPr>
-          <p:cNvPr id="279" name="Google Shape;279;g56b89301e8_0_0:notes"/>
-          <p:cNvSpPr/>
-          <p:nvPr>
-            <p:ph idx="2" type="sldImg"/>
-          </p:nvPr>
-        </p:nvSpPr>
-        <p:spPr>
-          <a:xfrm>
-            <a:off x="381300" y="685800"/>
-            <a:ext cx="6096000" cy="3429000"/>
-          </a:xfrm>
-          <a:custGeom>
-            <a:rect b="b" l="l" r="r" t="t"/>
-            <a:pathLst>
-              <a:path extrusionOk="0" h="120000" w="120000">
-                <a:moveTo>
-                  <a:pt x="0" y="0"/>
-                </a:moveTo>
-                <a:lnTo>
-                  <a:pt x="120000" y="0"/>
-                </a:lnTo>
-                <a:lnTo>
-                  <a:pt x="120000" y="120000"/>
-                </a:lnTo>
-                <a:lnTo>
-                  <a:pt x="0" y="120000"/>
-                </a:lnTo>
-                <a:close/>
-              </a:path>
-            </a:pathLst>
-          </a:custGeom>
-        </p:spPr>
-      </p:sp>
-      <p:sp>
-        <p:nvSpPr>
-          <p:cNvPr id="280" name="Google Shape;280;g56b89301e8_0_0:notes"/>
-          <p:cNvSpPr txBox="1"/>
-          <p:nvPr>
-            <p:ph idx="1" type="body"/>
-          </p:nvPr>
-        </p:nvSpPr>
-        <p:spPr>
-          <a:xfrm>
-            <a:off x="685800" y="4343400"/>
-            <a:ext cx="5486400" cy="4114800"/>
-          </a:xfrm>
-          <a:prstGeom prst="rect">
-            <a:avLst/>
-          </a:prstGeom>
-        </p:spPr>
-        <p:txBody>
-          <a:bodyPr anchorCtr="0" anchor="t" bIns="91425" lIns="91425" spcFirstLastPara="1" rIns="91425" wrap="square" tIns="91425">
-            <a:noAutofit/>
-          </a:bodyPr>
-          <a:lstStyle/>
-          <a:p>
-            <a:pPr indent="0" lvl="0" marL="0" rtl="0" algn="l">
-              <a:spcBef>
-                <a:spcPts val="0"/>
-              </a:spcBef>
-              <a:spcAft>
-                <a:spcPts val="0"/>
-              </a:spcAft>
-              <a:buNone/>
-            </a:pPr>
-            <a:r>
-              <a:t/>
-            </a:r>
-            <a:endParaRPr/>
-          </a:p>
-        </p:txBody>
-      </p:sp>
-    </p:spTree>
-  </p:cSld>
-  <p:clrMapOvr>
-    <a:masterClrMapping/>
-  </p:clrMapOvr>
-</p:notes>
-</file>
-
-<file path=ppt/notesSlides/notesSlide17.xml><?xml version="1.0" encoding="utf-8"?>
-<p:notes xmlns:a="http://schemas.openxmlformats.org/drawingml/2006/main" xmlns:r="http://schemas.openxmlformats.org/officeDocument/2006/relationships" xmlns:mc="http://schemas.openxmlformats.org/markup-compatibility/2006" xmlns:mv="urn:schemas-microsoft-com:mac:vml" xmlns:p="http://schemas.openxmlformats.org/presentationml/2006/main" xmlns:c="http://schemas.openxmlformats.org/drawingml/2006/chart" xmlns:dgm="http://schemas.openxmlformats.org/drawingml/2006/diagram" xmlns:o="urn:schemas-microsoft-com:office:office" xmlns:v="urn:schemas-microsoft-com:vml" xmlns:pvml="urn:schemas-microsoft-com:office:powerpoint" xmlns:com="http://schemas.openxmlformats.org/drawingml/2006/compatibility" xmlns:p14="http://schemas.microsoft.com/office/powerpoint/2010/main" xmlns:p15="http://schemas.microsoft.com/office/powerpoint/2012/main" showMasterPhAnim="0" showMasterSp="0">
-  <p:cSld>
-    <p:spTree>
-      <p:nvGrpSpPr>
-        <p:cNvPr id="284" name="Shape 284"/>
-        <p:cNvGrpSpPr/>
-        <p:nvPr/>
-      </p:nvGrpSpPr>
-      <p:grpSpPr>
-        <a:xfrm>
-          <a:off x="0" y="0"/>
-          <a:ext cx="0" cy="0"/>
-          <a:chOff x="0" y="0"/>
-          <a:chExt cx="0" cy="0"/>
-        </a:xfrm>
-      </p:grpSpPr>
-      <p:sp>
-        <p:nvSpPr>
-          <p:cNvPr id="285" name="Google Shape;285;g58edf69012_0_24:notes"/>
-          <p:cNvSpPr/>
-          <p:nvPr>
-            <p:ph idx="2" type="sldImg"/>
-          </p:nvPr>
-        </p:nvSpPr>
-        <p:spPr>
-          <a:xfrm>
-            <a:off x="381300" y="685800"/>
-            <a:ext cx="6096000" cy="3429000"/>
-          </a:xfrm>
-          <a:custGeom>
-            <a:rect b="b" l="l" r="r" t="t"/>
-            <a:pathLst>
-              <a:path extrusionOk="0" h="120000" w="120000">
-                <a:moveTo>
-                  <a:pt x="0" y="0"/>
-                </a:moveTo>
-                <a:lnTo>
-                  <a:pt x="120000" y="0"/>
-                </a:lnTo>
-                <a:lnTo>
-                  <a:pt x="120000" y="120000"/>
-                </a:lnTo>
-                <a:lnTo>
-                  <a:pt x="0" y="120000"/>
-                </a:lnTo>
-                <a:close/>
-              </a:path>
-            </a:pathLst>
-          </a:custGeom>
-        </p:spPr>
-      </p:sp>
-      <p:sp>
-        <p:nvSpPr>
-          <p:cNvPr id="286" name="Google Shape;286;g58edf69012_0_24:notes"/>
+          <p:cNvPr id="268" name="Google Shape;268;g58edf69012_0_24:notes"/>
           <p:cNvSpPr txBox="1"/>
           <p:nvPr>
             <p:ph idx="1" type="body"/>
@@ -2088,6 +1788,22 @@
               <a:buNone/>
             </a:pPr>
             <a:r>
+              <a:rPr lang="en"/>
+              <a:t>Lead </a:t>
+            </a:r>
+            <a:endParaRPr/>
+          </a:p>
+          <a:p>
+            <a:pPr indent="0" lvl="0" marL="0" rtl="0" algn="l">
+              <a:spcBef>
+                <a:spcPts val="0"/>
+              </a:spcBef>
+              <a:spcAft>
+                <a:spcPts val="0"/>
+              </a:spcAft>
+              <a:buNone/>
+            </a:pPr>
+            <a:r>
               <a:t/>
             </a:r>
             <a:endParaRPr/>
@@ -2319,7 +2035,7 @@
       </p:grpSpPr>
       <p:sp>
         <p:nvSpPr>
-          <p:cNvPr id="234" name="Google Shape;234;g58edf69012_0_1492:notes"/>
+          <p:cNvPr id="234" name="Google Shape;234;g58edf69012_0_10:notes"/>
           <p:cNvSpPr/>
           <p:nvPr>
             <p:ph idx="2" type="sldImg"/>
@@ -2354,7 +2070,7 @@
       </p:sp>
       <p:sp>
         <p:nvSpPr>
-          <p:cNvPr id="235" name="Google Shape;235;g58edf69012_0_1492:notes"/>
+          <p:cNvPr id="235" name="Google Shape;235;g58edf69012_0_10:notes"/>
           <p:cNvSpPr txBox="1"/>
           <p:nvPr>
             <p:ph idx="1" type="body"/>
@@ -15533,7 +15249,7 @@
   <p:cSld>
     <p:spTree>
       <p:nvGrpSpPr>
-        <p:cNvPr id="242" name="Shape 242"/>
+        <p:cNvPr id="243" name="Shape 243"/>
         <p:cNvGrpSpPr/>
         <p:nvPr/>
       </p:nvGrpSpPr>
@@ -15547,7 +15263,7 @@
       </p:grpSpPr>
       <p:sp>
         <p:nvSpPr>
-          <p:cNvPr id="243" name="Google Shape;243;p27"/>
+          <p:cNvPr id="244" name="Google Shape;244;p27"/>
           <p:cNvSpPr txBox="1"/>
           <p:nvPr>
             <p:ph type="title"/>
@@ -15555,48 +15271,8 @@
         </p:nvSpPr>
         <p:spPr>
           <a:xfrm>
-            <a:off x="311700" y="1153900"/>
-            <a:ext cx="2655000" cy="858900"/>
-          </a:xfrm>
-          <a:prstGeom prst="rect">
-            <a:avLst/>
-          </a:prstGeom>
-        </p:spPr>
-        <p:txBody>
-          <a:bodyPr anchorCtr="0" anchor="ctr" bIns="91425" lIns="91425" spcFirstLastPara="1" rIns="91425" wrap="square" tIns="91425">
-            <a:noAutofit/>
-          </a:bodyPr>
-          <a:lstStyle/>
-          <a:p>
-            <a:pPr indent="0" lvl="0" marL="0" rtl="0" algn="l">
-              <a:spcBef>
-                <a:spcPts val="0"/>
-              </a:spcBef>
-              <a:spcAft>
-                <a:spcPts val="0"/>
-              </a:spcAft>
-              <a:buNone/>
-            </a:pPr>
-            <a:r>
-              <a:rPr b="1" lang="en" sz="4200"/>
-              <a:t>Next Steps</a:t>
-            </a:r>
-            <a:endParaRPr b="1" sz="4200"/>
-          </a:p>
-        </p:txBody>
-      </p:sp>
-      <p:sp>
-        <p:nvSpPr>
-          <p:cNvPr id="244" name="Google Shape;244;p27"/>
-          <p:cNvSpPr txBox="1"/>
-          <p:nvPr>
-            <p:ph idx="1" type="body"/>
-          </p:nvPr>
-        </p:nvSpPr>
-        <p:spPr>
-          <a:xfrm>
-            <a:off x="311700" y="2022050"/>
-            <a:ext cx="2655000" cy="2928300"/>
+            <a:off x="5090175" y="496350"/>
+            <a:ext cx="3206100" cy="3274800"/>
           </a:xfrm>
           <a:prstGeom prst="rect">
             <a:avLst/>
@@ -15608,220 +15284,23 @@
           </a:bodyPr>
           <a:lstStyle/>
           <a:p>
-            <a:pPr indent="-323850" lvl="0" marL="457200" rtl="0" algn="l">
-              <a:spcBef>
-                <a:spcPts val="0"/>
-              </a:spcBef>
-              <a:spcAft>
-                <a:spcPts val="0"/>
-              </a:spcAft>
-              <a:buSzPts val="1500"/>
-              <a:buFont typeface="Economica"/>
-              <a:buChar char="●"/>
-            </a:pPr>
-            <a:r>
-              <a:rPr lang="en" sz="1500">
-                <a:latin typeface="Economica"/>
-                <a:ea typeface="Economica"/>
-                <a:cs typeface="Economica"/>
-                <a:sym typeface="Economica"/>
-              </a:rPr>
-              <a:t>More Pre-processing (NER, lemmatization)</a:t>
-            </a:r>
-            <a:endParaRPr sz="1500">
-              <a:latin typeface="Economica"/>
-              <a:ea typeface="Economica"/>
-              <a:cs typeface="Economica"/>
-              <a:sym typeface="Economica"/>
-            </a:endParaRPr>
-          </a:p>
-          <a:p>
-            <a:pPr indent="-323850" lvl="0" marL="457200" rtl="0" algn="l">
-              <a:spcBef>
-                <a:spcPts val="0"/>
-              </a:spcBef>
-              <a:spcAft>
-                <a:spcPts val="0"/>
-              </a:spcAft>
-              <a:buSzPts val="1500"/>
-              <a:buFont typeface="Economica"/>
-              <a:buChar char="●"/>
-            </a:pPr>
-            <a:r>
-              <a:rPr b="1" lang="en" sz="1500">
-                <a:latin typeface="Economica"/>
-                <a:ea typeface="Economica"/>
-                <a:cs typeface="Economica"/>
-                <a:sym typeface="Economica"/>
-              </a:rPr>
-              <a:t>Content selection</a:t>
-            </a:r>
-            <a:r>
-              <a:rPr lang="en" sz="1500">
-                <a:latin typeface="Economica"/>
-                <a:ea typeface="Economica"/>
-                <a:cs typeface="Economica"/>
-                <a:sym typeface="Economica"/>
-              </a:rPr>
-              <a:t>: </a:t>
-            </a:r>
-            <a:r>
-              <a:rPr lang="en" sz="1500">
-                <a:latin typeface="Economica"/>
-                <a:ea typeface="Economica"/>
-                <a:cs typeface="Economica"/>
-                <a:sym typeface="Economica"/>
-              </a:rPr>
-              <a:t>MEALDA</a:t>
-            </a:r>
-            <a:endParaRPr sz="1500">
-              <a:latin typeface="Economica"/>
-              <a:ea typeface="Economica"/>
-              <a:cs typeface="Economica"/>
-              <a:sym typeface="Economica"/>
-            </a:endParaRPr>
-          </a:p>
-          <a:p>
-            <a:pPr indent="-323850" lvl="0" marL="457200" rtl="0" algn="l">
-              <a:spcBef>
-                <a:spcPts val="0"/>
-              </a:spcBef>
-              <a:spcAft>
-                <a:spcPts val="0"/>
-              </a:spcAft>
-              <a:buSzPts val="1500"/>
-              <a:buFont typeface="Economica"/>
-              <a:buChar char="●"/>
-            </a:pPr>
-            <a:r>
-              <a:rPr lang="en" sz="1500">
-                <a:latin typeface="Economica"/>
-                <a:ea typeface="Economica"/>
-                <a:cs typeface="Economica"/>
-                <a:sym typeface="Economica"/>
-              </a:rPr>
-              <a:t>Explore additional outside corpora</a:t>
-            </a:r>
-            <a:endParaRPr sz="1500">
-              <a:latin typeface="Economica"/>
-              <a:ea typeface="Economica"/>
-              <a:cs typeface="Economica"/>
-              <a:sym typeface="Economica"/>
-            </a:endParaRPr>
-          </a:p>
-          <a:p>
-            <a:pPr indent="-323850" lvl="0" marL="457200" rtl="0" algn="l">
-              <a:spcBef>
-                <a:spcPts val="0"/>
-              </a:spcBef>
-              <a:spcAft>
-                <a:spcPts val="0"/>
-              </a:spcAft>
-              <a:buSzPts val="1500"/>
-              <a:buFont typeface="Economica"/>
-              <a:buChar char="●"/>
-            </a:pPr>
-            <a:r>
-              <a:rPr lang="en" sz="1500">
-                <a:latin typeface="Economica"/>
-                <a:ea typeface="Economica"/>
-                <a:cs typeface="Economica"/>
-                <a:sym typeface="Economica"/>
-              </a:rPr>
-              <a:t>Improve </a:t>
-            </a:r>
-            <a:r>
-              <a:rPr b="1" lang="en" sz="1500">
-                <a:latin typeface="Economica"/>
-                <a:ea typeface="Economica"/>
-                <a:cs typeface="Economica"/>
-                <a:sym typeface="Economica"/>
-              </a:rPr>
-              <a:t>information ordering </a:t>
-            </a:r>
-            <a:r>
-              <a:rPr lang="en" sz="1500">
-                <a:latin typeface="Economica"/>
-                <a:ea typeface="Economica"/>
-                <a:cs typeface="Economica"/>
-                <a:sym typeface="Economica"/>
-              </a:rPr>
-              <a:t>strategy</a:t>
-            </a:r>
-            <a:endParaRPr sz="1500">
-              <a:latin typeface="Economica"/>
-              <a:ea typeface="Economica"/>
-              <a:cs typeface="Economica"/>
-              <a:sym typeface="Economica"/>
-            </a:endParaRPr>
-          </a:p>
-          <a:p>
-            <a:pPr indent="-323850" lvl="0" marL="457200" rtl="0" algn="l">
-              <a:spcBef>
-                <a:spcPts val="0"/>
-              </a:spcBef>
-              <a:spcAft>
-                <a:spcPts val="0"/>
-              </a:spcAft>
-              <a:buSzPts val="1500"/>
-              <a:buFont typeface="Economica"/>
-              <a:buChar char="●"/>
-            </a:pPr>
-            <a:r>
-              <a:rPr b="1" lang="en" sz="1500">
-                <a:latin typeface="Economica"/>
-                <a:ea typeface="Economica"/>
-                <a:cs typeface="Economica"/>
-                <a:sym typeface="Economica"/>
-              </a:rPr>
-              <a:t>Content realization</a:t>
-            </a:r>
-            <a:r>
-              <a:rPr lang="en" sz="1500">
-                <a:latin typeface="Economica"/>
-                <a:ea typeface="Economica"/>
-                <a:cs typeface="Economica"/>
-                <a:sym typeface="Economica"/>
-              </a:rPr>
-              <a:t>: eliminate unwanted sentences and clauses, e.g. leading location information, multi-line lists</a:t>
-            </a:r>
-            <a:endParaRPr sz="1500">
-              <a:latin typeface="Economica"/>
-              <a:ea typeface="Economica"/>
-              <a:cs typeface="Economica"/>
-              <a:sym typeface="Economica"/>
-            </a:endParaRPr>
+            <a:pPr indent="0" lvl="0" marL="0" rtl="0" algn="l">
+              <a:spcBef>
+                <a:spcPts val="0"/>
+              </a:spcBef>
+              <a:spcAft>
+                <a:spcPts val="0"/>
+              </a:spcAft>
+              <a:buNone/>
+            </a:pPr>
+            <a:r>
+              <a:rPr lang="en" sz="4200"/>
+              <a:t>Thank you</a:t>
+            </a:r>
+            <a:endParaRPr sz="4200"/>
           </a:p>
         </p:txBody>
       </p:sp>
-      <p:pic>
-        <p:nvPicPr>
-          <p:cNvPr id="245" name="Google Shape;245;p27"/>
-          <p:cNvPicPr preferRelativeResize="0"/>
-          <p:nvPr/>
-        </p:nvPicPr>
-        <p:blipFill>
-          <a:blip r:embed="rId3">
-            <a:alphaModFix/>
-          </a:blip>
-          <a:stretch>
-            <a:fillRect/>
-          </a:stretch>
-        </p:blipFill>
-        <p:spPr>
-          <a:xfrm>
-            <a:off x="2966700" y="217979"/>
-            <a:ext cx="6086001" cy="4732372"/>
-          </a:xfrm>
-          <a:prstGeom prst="rect">
-            <a:avLst/>
-          </a:prstGeom>
-          <a:noFill/>
-          <a:ln>
-            <a:noFill/>
-          </a:ln>
-        </p:spPr>
-      </p:pic>
     </p:spTree>
   </p:cSld>
   <p:clrMapOvr>
@@ -15835,7 +15314,7 @@
   <p:cSld>
     <p:spTree>
       <p:nvGrpSpPr>
-        <p:cNvPr id="249" name="Shape 249"/>
+        <p:cNvPr id="248" name="Shape 248"/>
         <p:cNvGrpSpPr/>
         <p:nvPr/>
       </p:nvGrpSpPr>
@@ -15849,7 +15328,7 @@
       </p:grpSpPr>
       <p:sp>
         <p:nvSpPr>
-          <p:cNvPr id="250" name="Google Shape;250;p28"/>
+          <p:cNvPr id="249" name="Google Shape;249;p28"/>
           <p:cNvSpPr txBox="1"/>
           <p:nvPr>
             <p:ph type="title"/>
@@ -15857,8 +15336,8 @@
         </p:nvSpPr>
         <p:spPr>
           <a:xfrm>
-            <a:off x="5090175" y="496350"/>
-            <a:ext cx="3206100" cy="3274800"/>
+            <a:off x="308775" y="770525"/>
+            <a:ext cx="2866800" cy="3753600"/>
           </a:xfrm>
           <a:prstGeom prst="rect">
             <a:avLst/>
@@ -15880,10 +15359,497 @@
               <a:buNone/>
             </a:pPr>
             <a:r>
-              <a:rPr lang="en" sz="4200"/>
-              <a:t>Thank you</a:t>
-            </a:r>
-            <a:endParaRPr sz="4200"/>
+              <a:rPr lang="en"/>
+              <a:t>Sample Outputs</a:t>
+            </a:r>
+            <a:endParaRPr/>
+          </a:p>
+          <a:p>
+            <a:pPr indent="0" lvl="0" marL="0" rtl="0" algn="l">
+              <a:spcBef>
+                <a:spcPts val="0"/>
+              </a:spcBef>
+              <a:spcAft>
+                <a:spcPts val="0"/>
+              </a:spcAft>
+              <a:buNone/>
+            </a:pPr>
+            <a:r>
+              <a:t/>
+            </a:r>
+            <a:endParaRPr/>
+          </a:p>
+          <a:p>
+            <a:pPr indent="0" lvl="0" marL="0" rtl="0" algn="l">
+              <a:spcBef>
+                <a:spcPts val="0"/>
+              </a:spcBef>
+              <a:spcAft>
+                <a:spcPts val="0"/>
+              </a:spcAft>
+              <a:buNone/>
+            </a:pPr>
+            <a:r>
+              <a:rPr lang="en" sz="1100">
+                <a:solidFill>
+                  <a:srgbClr val="A9B7C6"/>
+                </a:solidFill>
+                <a:highlight>
+                  <a:srgbClr val="2B2B2B"/>
+                </a:highlight>
+                <a:latin typeface="Open Sans"/>
+                <a:ea typeface="Open Sans"/>
+                <a:cs typeface="Open Sans"/>
+                <a:sym typeface="Open Sans"/>
+              </a:rPr>
+              <a:t>1 ROUGE-1 Eval D1021-A.M.100.D.1 R:0.19492 P:0.19492 F:0.19492</a:t>
+            </a:r>
+            <a:endParaRPr sz="1100">
+              <a:solidFill>
+                <a:srgbClr val="A9B7C6"/>
+              </a:solidFill>
+              <a:highlight>
+                <a:srgbClr val="2B2B2B"/>
+              </a:highlight>
+              <a:latin typeface="Open Sans"/>
+              <a:ea typeface="Open Sans"/>
+              <a:cs typeface="Open Sans"/>
+              <a:sym typeface="Open Sans"/>
+            </a:endParaRPr>
+          </a:p>
+          <a:p>
+            <a:pPr indent="0" lvl="0" marL="0" rtl="0" algn="l">
+              <a:spcBef>
+                <a:spcPts val="0"/>
+              </a:spcBef>
+              <a:spcAft>
+                <a:spcPts val="0"/>
+              </a:spcAft>
+              <a:buNone/>
+            </a:pPr>
+            <a:r>
+              <a:t/>
+            </a:r>
+            <a:endParaRPr sz="1100">
+              <a:solidFill>
+                <a:srgbClr val="A9B7C6"/>
+              </a:solidFill>
+              <a:highlight>
+                <a:srgbClr val="2B2B2B"/>
+              </a:highlight>
+              <a:latin typeface="Open Sans"/>
+              <a:ea typeface="Open Sans"/>
+              <a:cs typeface="Open Sans"/>
+              <a:sym typeface="Open Sans"/>
+            </a:endParaRPr>
+          </a:p>
+          <a:p>
+            <a:pPr indent="0" lvl="0" marL="0" rtl="0" algn="l">
+              <a:spcBef>
+                <a:spcPts val="0"/>
+              </a:spcBef>
+              <a:spcAft>
+                <a:spcPts val="0"/>
+              </a:spcAft>
+              <a:buNone/>
+            </a:pPr>
+            <a:r>
+              <a:rPr lang="en" sz="1100">
+                <a:solidFill>
+                  <a:srgbClr val="A9B7C6"/>
+                </a:solidFill>
+                <a:highlight>
+                  <a:srgbClr val="2B2B2B"/>
+                </a:highlight>
+                <a:latin typeface="Open Sans"/>
+                <a:ea typeface="Open Sans"/>
+                <a:cs typeface="Open Sans"/>
+                <a:sym typeface="Open Sans"/>
+              </a:rPr>
+              <a:t>1 ROUGE-2 Eval D1021-A.M.100.D.1 R:0.04310 P:0.04310 F:0.04310</a:t>
+            </a:r>
+            <a:endParaRPr sz="1100">
+              <a:solidFill>
+                <a:srgbClr val="A9B7C6"/>
+              </a:solidFill>
+              <a:highlight>
+                <a:srgbClr val="2B2B2B"/>
+              </a:highlight>
+              <a:latin typeface="Open Sans"/>
+              <a:ea typeface="Open Sans"/>
+              <a:cs typeface="Open Sans"/>
+              <a:sym typeface="Open Sans"/>
+            </a:endParaRPr>
+          </a:p>
+          <a:p>
+            <a:pPr indent="0" lvl="0" marL="0" rtl="0" algn="l">
+              <a:spcBef>
+                <a:spcPts val="0"/>
+              </a:spcBef>
+              <a:spcAft>
+                <a:spcPts val="0"/>
+              </a:spcAft>
+              <a:buNone/>
+            </a:pPr>
+            <a:r>
+              <a:t/>
+            </a:r>
+            <a:endParaRPr sz="1100">
+              <a:solidFill>
+                <a:srgbClr val="A9B7C6"/>
+              </a:solidFill>
+              <a:highlight>
+                <a:srgbClr val="2B2B2B"/>
+              </a:highlight>
+              <a:latin typeface="Open Sans"/>
+              <a:ea typeface="Open Sans"/>
+              <a:cs typeface="Open Sans"/>
+              <a:sym typeface="Open Sans"/>
+            </a:endParaRPr>
+          </a:p>
+          <a:p>
+            <a:pPr indent="0" lvl="0" marL="0" rtl="0" algn="l">
+              <a:spcBef>
+                <a:spcPts val="0"/>
+              </a:spcBef>
+              <a:spcAft>
+                <a:spcPts val="0"/>
+              </a:spcAft>
+              <a:buNone/>
+            </a:pPr>
+            <a:r>
+              <a:t/>
+            </a:r>
+            <a:endParaRPr sz="1100">
+              <a:solidFill>
+                <a:srgbClr val="A9B7C6"/>
+              </a:solidFill>
+              <a:highlight>
+                <a:srgbClr val="2B2B2B"/>
+              </a:highlight>
+              <a:latin typeface="Open Sans"/>
+              <a:ea typeface="Open Sans"/>
+              <a:cs typeface="Open Sans"/>
+              <a:sym typeface="Open Sans"/>
+            </a:endParaRPr>
+          </a:p>
+          <a:p>
+            <a:pPr indent="0" lvl="0" marL="0" rtl="0" algn="l">
+              <a:spcBef>
+                <a:spcPts val="0"/>
+              </a:spcBef>
+              <a:spcAft>
+                <a:spcPts val="0"/>
+              </a:spcAft>
+              <a:buNone/>
+            </a:pPr>
+            <a:r>
+              <a:t/>
+            </a:r>
+            <a:endParaRPr sz="1100">
+              <a:solidFill>
+                <a:srgbClr val="A9B7C6"/>
+              </a:solidFill>
+              <a:highlight>
+                <a:srgbClr val="2B2B2B"/>
+              </a:highlight>
+              <a:latin typeface="Open Sans"/>
+              <a:ea typeface="Open Sans"/>
+              <a:cs typeface="Open Sans"/>
+              <a:sym typeface="Open Sans"/>
+            </a:endParaRPr>
+          </a:p>
+          <a:p>
+            <a:pPr indent="0" lvl="0" marL="0" rtl="0" algn="l">
+              <a:spcBef>
+                <a:spcPts val="0"/>
+              </a:spcBef>
+              <a:spcAft>
+                <a:spcPts val="0"/>
+              </a:spcAft>
+              <a:buNone/>
+            </a:pPr>
+            <a:r>
+              <a:rPr lang="en" sz="1100">
+                <a:solidFill>
+                  <a:srgbClr val="A9B7C6"/>
+                </a:solidFill>
+                <a:highlight>
+                  <a:srgbClr val="2B2B2B"/>
+                </a:highlight>
+                <a:latin typeface="Open Sans"/>
+                <a:ea typeface="Open Sans"/>
+                <a:cs typeface="Open Sans"/>
+                <a:sym typeface="Open Sans"/>
+              </a:rPr>
+              <a:t>peers/devtest/D1021-A.M.100.D.1</a:t>
+            </a:r>
+            <a:endParaRPr sz="1100">
+              <a:solidFill>
+                <a:srgbClr val="A9B7C6"/>
+              </a:solidFill>
+              <a:highlight>
+                <a:srgbClr val="2B2B2B"/>
+              </a:highlight>
+              <a:latin typeface="Open Sans"/>
+              <a:ea typeface="Open Sans"/>
+              <a:cs typeface="Open Sans"/>
+              <a:sym typeface="Open Sans"/>
+            </a:endParaRPr>
+          </a:p>
+          <a:p>
+            <a:pPr indent="0" lvl="0" marL="0" rtl="0" algn="l">
+              <a:spcBef>
+                <a:spcPts val="0"/>
+              </a:spcBef>
+              <a:spcAft>
+                <a:spcPts val="0"/>
+              </a:spcAft>
+              <a:buNone/>
+            </a:pPr>
+            <a:r>
+              <a:t/>
+            </a:r>
+            <a:endParaRPr sz="1100">
+              <a:solidFill>
+                <a:srgbClr val="A9B7C6"/>
+              </a:solidFill>
+              <a:highlight>
+                <a:srgbClr val="2B2B2B"/>
+              </a:highlight>
+              <a:latin typeface="Open Sans"/>
+              <a:ea typeface="Open Sans"/>
+              <a:cs typeface="Open Sans"/>
+              <a:sym typeface="Open Sans"/>
+            </a:endParaRPr>
+          </a:p>
+          <a:p>
+            <a:pPr indent="0" lvl="0" marL="0" rtl="0" algn="l">
+              <a:spcBef>
+                <a:spcPts val="0"/>
+              </a:spcBef>
+              <a:spcAft>
+                <a:spcPts val="0"/>
+              </a:spcAft>
+              <a:buNone/>
+            </a:pPr>
+            <a:r>
+              <a:t/>
+            </a:r>
+            <a:endParaRPr sz="1400"/>
+          </a:p>
+        </p:txBody>
+      </p:sp>
+      <p:sp>
+        <p:nvSpPr>
+          <p:cNvPr id="250" name="Google Shape;250;p28"/>
+          <p:cNvSpPr txBox="1"/>
+          <p:nvPr>
+            <p:ph idx="1" type="body"/>
+          </p:nvPr>
+        </p:nvSpPr>
+        <p:spPr>
+          <a:xfrm>
+            <a:off x="4022850" y="770525"/>
+            <a:ext cx="4919400" cy="1979700"/>
+          </a:xfrm>
+          <a:prstGeom prst="rect">
+            <a:avLst/>
+          </a:prstGeom>
+          <a:ln cap="flat" cmpd="sng" w="19050">
+            <a:solidFill>
+              <a:srgbClr val="000000"/>
+            </a:solidFill>
+            <a:prstDash val="solid"/>
+            <a:round/>
+            <a:headEnd len="sm" w="sm" type="none"/>
+            <a:tailEnd len="sm" w="sm" type="none"/>
+          </a:ln>
+        </p:spPr>
+        <p:txBody>
+          <a:bodyPr anchorCtr="0" anchor="t" bIns="91425" lIns="91425" spcFirstLastPara="1" rIns="91425" wrap="square" tIns="91425">
+            <a:noAutofit/>
+          </a:bodyPr>
+          <a:lstStyle/>
+          <a:p>
+            <a:pPr indent="0" lvl="0" marL="0" rtl="0" algn="l">
+              <a:spcBef>
+                <a:spcPts val="0"/>
+              </a:spcBef>
+              <a:spcAft>
+                <a:spcPts val="1600"/>
+              </a:spcAft>
+              <a:buNone/>
+            </a:pPr>
+            <a:r>
+              <a:rPr i="1" lang="en" sz="1300">
+                <a:solidFill>
+                  <a:srgbClr val="000000"/>
+                </a:solidFill>
+              </a:rPr>
+              <a:t>Lafave was charged in 2004 with two counts of lewd and lascivious battery and one count of lewd and lascivious exhibition after she allegedly had sex with the student in a sport utility vehicle while another teenager drove. Lafave was sentenced in Hillsborough County, where Tampa is located, to three years of house arrest and seven years probation after pleading guilty Nov. 22 to two counts of lewd and lascivious battery for having sex with the boy in a classroom and her home.</a:t>
+            </a:r>
+            <a:endParaRPr i="1" sz="1300">
+              <a:solidFill>
+                <a:srgbClr val="000000"/>
+              </a:solidFill>
+            </a:endParaRPr>
+          </a:p>
+        </p:txBody>
+      </p:sp>
+      <p:sp>
+        <p:nvSpPr>
+          <p:cNvPr id="251" name="Google Shape;251;p28"/>
+          <p:cNvSpPr txBox="1"/>
+          <p:nvPr>
+            <p:ph idx="1" type="body"/>
+          </p:nvPr>
+        </p:nvSpPr>
+        <p:spPr>
+          <a:xfrm>
+            <a:off x="4022850" y="2933500"/>
+            <a:ext cx="4919400" cy="2129400"/>
+          </a:xfrm>
+          <a:prstGeom prst="rect">
+            <a:avLst/>
+          </a:prstGeom>
+          <a:ln cap="flat" cmpd="sng" w="19050">
+            <a:solidFill>
+              <a:srgbClr val="000000"/>
+            </a:solidFill>
+            <a:prstDash val="solid"/>
+            <a:round/>
+            <a:headEnd len="sm" w="sm" type="none"/>
+            <a:tailEnd len="sm" w="sm" type="none"/>
+          </a:ln>
+        </p:spPr>
+        <p:txBody>
+          <a:bodyPr anchorCtr="0" anchor="t" bIns="91425" lIns="91425" spcFirstLastPara="1" rIns="91425" wrap="square" tIns="91425">
+            <a:noAutofit/>
+          </a:bodyPr>
+          <a:lstStyle/>
+          <a:p>
+            <a:pPr indent="0" lvl="0" marL="0" rtl="0" algn="l">
+              <a:lnSpc>
+                <a:spcPct val="100000"/>
+              </a:lnSpc>
+              <a:spcBef>
+                <a:spcPts val="0"/>
+              </a:spcBef>
+              <a:spcAft>
+                <a:spcPts val="0"/>
+              </a:spcAft>
+              <a:buClr>
+                <a:schemeClr val="dk1"/>
+              </a:buClr>
+              <a:buSzPts val="1100"/>
+              <a:buFont typeface="Arial"/>
+              <a:buNone/>
+            </a:pPr>
+            <a:r>
+              <a:rPr i="1" lang="en" sz="1300">
+                <a:solidFill>
+                  <a:schemeClr val="dk1"/>
+                </a:solidFill>
+              </a:rPr>
+              <a:t>A hitch has developed in a plea deal agreed to by a former teacher who pleaded guilty to having sex with a 14-year-old student, a spokesman for the prosecutor said.</a:t>
+            </a:r>
+            <a:endParaRPr i="1" sz="1300">
+              <a:solidFill>
+                <a:schemeClr val="dk1"/>
+              </a:solidFill>
+            </a:endParaRPr>
+          </a:p>
+          <a:p>
+            <a:pPr indent="0" lvl="0" marL="0" rtl="0" algn="l">
+              <a:lnSpc>
+                <a:spcPct val="100000"/>
+              </a:lnSpc>
+              <a:spcBef>
+                <a:spcPts val="0"/>
+              </a:spcBef>
+              <a:spcAft>
+                <a:spcPts val="0"/>
+              </a:spcAft>
+              <a:buClr>
+                <a:schemeClr val="dk1"/>
+              </a:buClr>
+              <a:buSzPts val="1100"/>
+              <a:buFont typeface="Arial"/>
+              <a:buNone/>
+            </a:pPr>
+            <a:r>
+              <a:rPr i="1" lang="en" sz="1300">
+                <a:solidFill>
+                  <a:schemeClr val="dk1"/>
+                </a:solidFill>
+              </a:rPr>
+              <a:t>The agreement was meant to resolve charges against Debra Lafave, 25, in two counties.</a:t>
+            </a:r>
+            <a:endParaRPr i="1" sz="1300">
+              <a:solidFill>
+                <a:schemeClr val="dk1"/>
+              </a:solidFill>
+            </a:endParaRPr>
+          </a:p>
+          <a:p>
+            <a:pPr indent="0" lvl="0" marL="0" rtl="0" algn="l">
+              <a:lnSpc>
+                <a:spcPct val="100000"/>
+              </a:lnSpc>
+              <a:spcBef>
+                <a:spcPts val="0"/>
+              </a:spcBef>
+              <a:spcAft>
+                <a:spcPts val="0"/>
+              </a:spcAft>
+              <a:buClr>
+                <a:schemeClr val="dk1"/>
+              </a:buClr>
+              <a:buSzPts val="1100"/>
+              <a:buFont typeface="Arial"/>
+              <a:buNone/>
+            </a:pPr>
+            <a:r>
+              <a:rPr i="1" lang="en" sz="1300">
+                <a:solidFill>
+                  <a:schemeClr val="dk1"/>
+                </a:solidFill>
+              </a:rPr>
+              <a:t>But the judge in one of the counties has balked, Ric Ridgeway, a spokesman for the State Attorney's Office, said Thursday.</a:t>
+            </a:r>
+            <a:endParaRPr i="1" sz="1300">
+              <a:solidFill>
+                <a:schemeClr val="dk1"/>
+              </a:solidFill>
+            </a:endParaRPr>
+          </a:p>
+          <a:p>
+            <a:pPr indent="0" lvl="0" marL="0" rtl="0" algn="l">
+              <a:lnSpc>
+                <a:spcPct val="100000"/>
+              </a:lnSpc>
+              <a:spcBef>
+                <a:spcPts val="0"/>
+              </a:spcBef>
+              <a:spcAft>
+                <a:spcPts val="0"/>
+              </a:spcAft>
+              <a:buNone/>
+            </a:pPr>
+            <a:r>
+              <a:rPr i="1" lang="en" sz="1300">
+                <a:solidFill>
+                  <a:schemeClr val="dk1"/>
+                </a:solidFill>
+              </a:rPr>
+              <a:t>Lafave was sentenced to three years of house arrest and seven years probation after pleading guilty last month in Hillsborough County to two counts of lewd and lascivious battery.</a:t>
+            </a:r>
+            <a:endParaRPr i="1" sz="1300">
+              <a:solidFill>
+                <a:schemeClr val="dk1"/>
+              </a:solidFill>
+            </a:endParaRPr>
           </a:p>
         </p:txBody>
       </p:sp>
@@ -15900,7 +15866,7 @@
   <p:cSld>
     <p:spTree>
       <p:nvGrpSpPr>
-        <p:cNvPr id="254" name="Shape 254"/>
+        <p:cNvPr id="255" name="Shape 255"/>
         <p:cNvGrpSpPr/>
         <p:nvPr/>
       </p:nvGrpSpPr>
@@ -15914,7 +15880,7 @@
       </p:grpSpPr>
       <p:sp>
         <p:nvSpPr>
-          <p:cNvPr id="255" name="Google Shape;255;p29"/>
+          <p:cNvPr id="256" name="Google Shape;256;p29"/>
           <p:cNvSpPr txBox="1"/>
           <p:nvPr>
             <p:ph type="title"/>
@@ -15922,8 +15888,88 @@
         </p:nvSpPr>
         <p:spPr>
           <a:xfrm>
-            <a:off x="308775" y="770525"/>
-            <a:ext cx="2866800" cy="3753600"/>
+            <a:off x="311700" y="315925"/>
+            <a:ext cx="8520600" cy="831300"/>
+          </a:xfrm>
+          <a:prstGeom prst="rect">
+            <a:avLst/>
+          </a:prstGeom>
+        </p:spPr>
+        <p:txBody>
+          <a:bodyPr anchorCtr="0" anchor="b" bIns="91425" lIns="91425" spcFirstLastPara="1" rIns="91425" wrap="square" tIns="91425">
+            <a:noAutofit/>
+          </a:bodyPr>
+          <a:lstStyle/>
+          <a:p>
+            <a:pPr indent="0" lvl="0" marL="0" rtl="0" algn="l">
+              <a:spcBef>
+                <a:spcPts val="0"/>
+              </a:spcBef>
+              <a:spcAft>
+                <a:spcPts val="0"/>
+              </a:spcAft>
+              <a:buClr>
+                <a:schemeClr val="dk2"/>
+              </a:buClr>
+              <a:buSzPts val="1100"/>
+              <a:buFont typeface="Arial"/>
+              <a:buNone/>
+            </a:pPr>
+            <a:r>
+              <a:rPr lang="en"/>
+              <a:t>System architecture</a:t>
+            </a:r>
+            <a:endParaRPr/>
+          </a:p>
+          <a:p>
+            <a:pPr indent="0" lvl="0" marL="0" rtl="0" algn="l">
+              <a:spcBef>
+                <a:spcPts val="0"/>
+              </a:spcBef>
+              <a:spcAft>
+                <a:spcPts val="0"/>
+              </a:spcAft>
+              <a:buClr>
+                <a:schemeClr val="dk2"/>
+              </a:buClr>
+              <a:buSzPts val="1100"/>
+              <a:buFont typeface="Arial"/>
+              <a:buNone/>
+            </a:pPr>
+            <a:r>
+              <a:t/>
+            </a:r>
+            <a:endParaRPr/>
+          </a:p>
+          <a:p>
+            <a:pPr indent="0" lvl="0" marL="0" rtl="0" algn="l">
+              <a:spcBef>
+                <a:spcPts val="0"/>
+              </a:spcBef>
+              <a:spcAft>
+                <a:spcPts val="0"/>
+              </a:spcAft>
+              <a:buNone/>
+            </a:pPr>
+            <a:r>
+              <a:t/>
+            </a:r>
+            <a:endParaRPr/>
+          </a:p>
+        </p:txBody>
+      </p:sp>
+      <p:sp>
+        <p:nvSpPr>
+          <p:cNvPr id="257" name="Google Shape;257;p29"/>
+          <p:cNvSpPr txBox="1"/>
+          <p:nvPr>
+            <p:ph idx="1" type="body"/>
+          </p:nvPr>
+        </p:nvSpPr>
+        <p:spPr>
+          <a:xfrm>
+            <a:off x="311700" y="1225225"/>
+            <a:ext cx="8520600" cy="3354000"/>
           </a:xfrm>
           <a:prstGeom prst="rect">
             <a:avLst/>
@@ -15942,18 +15988,23 @@
               <a:spcAft>
                 <a:spcPts val="0"/>
               </a:spcAft>
+              <a:buClr>
+                <a:schemeClr val="dk2"/>
+              </a:buClr>
+              <a:buSzPts val="1100"/>
+              <a:buFont typeface="Arial"/>
               <a:buNone/>
             </a:pPr>
             <a:r>
               <a:rPr lang="en"/>
-              <a:t>Sample Outputs</a:t>
+              <a:t>Lead Sentence</a:t>
             </a:r>
             <a:endParaRPr/>
           </a:p>
           <a:p>
             <a:pPr indent="0" lvl="0" marL="0" rtl="0" algn="l">
               <a:spcBef>
-                <a:spcPts val="0"/>
+                <a:spcPts val="1600"/>
               </a:spcBef>
               <a:spcAft>
                 <a:spcPts val="0"/>
@@ -15968,45 +16019,7 @@
           <a:p>
             <a:pPr indent="0" lvl="0" marL="0" rtl="0" algn="l">
               <a:spcBef>
-                <a:spcPts val="0"/>
-              </a:spcBef>
-              <a:spcAft>
-                <a:spcPts val="0"/>
-              </a:spcAft>
-              <a:buNone/>
-            </a:pPr>
-            <a:r>
-              <a:rPr lang="en" sz="1100">
-                <a:solidFill>
-                  <a:srgbClr val="A9B7C6"/>
-                </a:solidFill>
-                <a:highlight>
-                  <a:srgbClr val="2B2B2B"/>
-                </a:highlight>
-                <a:latin typeface="Open Sans"/>
-                <a:ea typeface="Open Sans"/>
-                <a:cs typeface="Open Sans"/>
-                <a:sym typeface="Open Sans"/>
-              </a:rPr>
-              <a:t>1 ROUGE-1 Eval D1021-A.M.100.D.1 R:0.19492 P:0.19492 F:0.19492</a:t>
-            </a:r>
-            <a:endParaRPr sz="1100">
-              <a:solidFill>
-                <a:srgbClr val="A9B7C6"/>
-              </a:solidFill>
-              <a:highlight>
-                <a:srgbClr val="2B2B2B"/>
-              </a:highlight>
-              <a:latin typeface="Open Sans"/>
-              <a:ea typeface="Open Sans"/>
-              <a:cs typeface="Open Sans"/>
-              <a:sym typeface="Open Sans"/>
-            </a:endParaRPr>
-          </a:p>
-          <a:p>
-            <a:pPr indent="0" lvl="0" marL="0" rtl="0" algn="l">
-              <a:spcBef>
-                <a:spcPts val="0"/>
+                <a:spcPts val="1600"/>
               </a:spcBef>
               <a:spcAft>
                 <a:spcPts val="0"/>
@@ -16016,429 +16029,82 @@
             <a:r>
               <a:t/>
             </a:r>
-            <a:endParaRPr sz="1100">
-              <a:solidFill>
-                <a:srgbClr val="A9B7C6"/>
-              </a:solidFill>
-              <a:highlight>
-                <a:srgbClr val="2B2B2B"/>
-              </a:highlight>
-              <a:latin typeface="Open Sans"/>
-              <a:ea typeface="Open Sans"/>
-              <a:cs typeface="Open Sans"/>
-              <a:sym typeface="Open Sans"/>
-            </a:endParaRPr>
-          </a:p>
-          <a:p>
-            <a:pPr indent="0" lvl="0" marL="0" rtl="0" algn="l">
-              <a:spcBef>
-                <a:spcPts val="0"/>
-              </a:spcBef>
-              <a:spcAft>
-                <a:spcPts val="0"/>
-              </a:spcAft>
-              <a:buNone/>
-            </a:pPr>
-            <a:r>
-              <a:rPr lang="en" sz="1100">
-                <a:solidFill>
-                  <a:srgbClr val="A9B7C6"/>
-                </a:solidFill>
-                <a:highlight>
-                  <a:srgbClr val="2B2B2B"/>
-                </a:highlight>
-                <a:latin typeface="Open Sans"/>
-                <a:ea typeface="Open Sans"/>
-                <a:cs typeface="Open Sans"/>
-                <a:sym typeface="Open Sans"/>
-              </a:rPr>
-              <a:t>1 ROUGE-2 Eval D1021-A.M.100.D.1 R:0.04310 P:0.04310 F:0.04310</a:t>
-            </a:r>
-            <a:endParaRPr sz="1100">
-              <a:solidFill>
-                <a:srgbClr val="A9B7C6"/>
-              </a:solidFill>
-              <a:highlight>
-                <a:srgbClr val="2B2B2B"/>
-              </a:highlight>
-              <a:latin typeface="Open Sans"/>
-              <a:ea typeface="Open Sans"/>
-              <a:cs typeface="Open Sans"/>
-              <a:sym typeface="Open Sans"/>
-            </a:endParaRPr>
-          </a:p>
-          <a:p>
-            <a:pPr indent="0" lvl="0" marL="0" rtl="0" algn="l">
-              <a:spcBef>
-                <a:spcPts val="0"/>
-              </a:spcBef>
-              <a:spcAft>
-                <a:spcPts val="0"/>
-              </a:spcAft>
-              <a:buNone/>
-            </a:pPr>
-            <a:r>
-              <a:t/>
-            </a:r>
-            <a:endParaRPr sz="1100">
-              <a:solidFill>
-                <a:srgbClr val="A9B7C6"/>
-              </a:solidFill>
-              <a:highlight>
-                <a:srgbClr val="2B2B2B"/>
-              </a:highlight>
-              <a:latin typeface="Open Sans"/>
-              <a:ea typeface="Open Sans"/>
-              <a:cs typeface="Open Sans"/>
-              <a:sym typeface="Open Sans"/>
-            </a:endParaRPr>
-          </a:p>
-          <a:p>
-            <a:pPr indent="0" lvl="0" marL="0" rtl="0" algn="l">
-              <a:spcBef>
-                <a:spcPts val="0"/>
-              </a:spcBef>
-              <a:spcAft>
-                <a:spcPts val="0"/>
-              </a:spcAft>
-              <a:buNone/>
-            </a:pPr>
-            <a:r>
-              <a:t/>
-            </a:r>
-            <a:endParaRPr sz="1100">
-              <a:solidFill>
-                <a:srgbClr val="A9B7C6"/>
-              </a:solidFill>
-              <a:highlight>
-                <a:srgbClr val="2B2B2B"/>
-              </a:highlight>
-              <a:latin typeface="Open Sans"/>
-              <a:ea typeface="Open Sans"/>
-              <a:cs typeface="Open Sans"/>
-              <a:sym typeface="Open Sans"/>
-            </a:endParaRPr>
-          </a:p>
-          <a:p>
-            <a:pPr indent="0" lvl="0" marL="0" rtl="0" algn="l">
-              <a:spcBef>
-                <a:spcPts val="0"/>
-              </a:spcBef>
-              <a:spcAft>
-                <a:spcPts val="0"/>
-              </a:spcAft>
-              <a:buNone/>
-            </a:pPr>
-            <a:r>
-              <a:t/>
-            </a:r>
-            <a:endParaRPr sz="1100">
-              <a:solidFill>
-                <a:srgbClr val="A9B7C6"/>
-              </a:solidFill>
-              <a:highlight>
-                <a:srgbClr val="2B2B2B"/>
-              </a:highlight>
-              <a:latin typeface="Open Sans"/>
-              <a:ea typeface="Open Sans"/>
-              <a:cs typeface="Open Sans"/>
-              <a:sym typeface="Open Sans"/>
-            </a:endParaRPr>
-          </a:p>
-          <a:p>
-            <a:pPr indent="0" lvl="0" marL="0" rtl="0" algn="l">
-              <a:spcBef>
-                <a:spcPts val="0"/>
-              </a:spcBef>
-              <a:spcAft>
-                <a:spcPts val="0"/>
-              </a:spcAft>
-              <a:buNone/>
-            </a:pPr>
-            <a:r>
-              <a:rPr lang="en" sz="1100">
-                <a:solidFill>
-                  <a:srgbClr val="A9B7C6"/>
-                </a:solidFill>
-                <a:highlight>
-                  <a:srgbClr val="2B2B2B"/>
-                </a:highlight>
-                <a:latin typeface="Open Sans"/>
-                <a:ea typeface="Open Sans"/>
-                <a:cs typeface="Open Sans"/>
-                <a:sym typeface="Open Sans"/>
-              </a:rPr>
-              <a:t>peers/devtest/D1021-A.M.100.D.1</a:t>
-            </a:r>
-            <a:endParaRPr sz="1100">
-              <a:solidFill>
-                <a:srgbClr val="A9B7C6"/>
-              </a:solidFill>
-              <a:highlight>
-                <a:srgbClr val="2B2B2B"/>
-              </a:highlight>
-              <a:latin typeface="Open Sans"/>
-              <a:ea typeface="Open Sans"/>
-              <a:cs typeface="Open Sans"/>
-              <a:sym typeface="Open Sans"/>
-            </a:endParaRPr>
-          </a:p>
-          <a:p>
-            <a:pPr indent="0" lvl="0" marL="0" rtl="0" algn="l">
-              <a:spcBef>
-                <a:spcPts val="0"/>
-              </a:spcBef>
-              <a:spcAft>
-                <a:spcPts val="0"/>
-              </a:spcAft>
-              <a:buNone/>
-            </a:pPr>
-            <a:r>
-              <a:t/>
-            </a:r>
-            <a:endParaRPr sz="1100">
-              <a:solidFill>
-                <a:srgbClr val="A9B7C6"/>
-              </a:solidFill>
-              <a:highlight>
-                <a:srgbClr val="2B2B2B"/>
-              </a:highlight>
-              <a:latin typeface="Open Sans"/>
-              <a:ea typeface="Open Sans"/>
-              <a:cs typeface="Open Sans"/>
-              <a:sym typeface="Open Sans"/>
-            </a:endParaRPr>
-          </a:p>
-          <a:p>
-            <a:pPr indent="0" lvl="0" marL="0" rtl="0" algn="l">
-              <a:spcBef>
-                <a:spcPts val="0"/>
-              </a:spcBef>
-              <a:spcAft>
-                <a:spcPts val="0"/>
-              </a:spcAft>
-              <a:buNone/>
-            </a:pPr>
-            <a:r>
-              <a:t/>
-            </a:r>
-            <a:endParaRPr sz="1400"/>
+            <a:endParaRPr/>
+          </a:p>
+          <a:p>
+            <a:pPr indent="0" lvl="0" marL="0" rtl="0" algn="l">
+              <a:spcBef>
+                <a:spcPts val="1600"/>
+              </a:spcBef>
+              <a:spcAft>
+                <a:spcPts val="1600"/>
+              </a:spcAft>
+              <a:buNone/>
+            </a:pPr>
+            <a:r>
+              <a:rPr lang="en"/>
+              <a:t>MEAD System</a:t>
+            </a:r>
+            <a:endParaRPr/>
           </a:p>
         </p:txBody>
       </p:sp>
-      <p:sp>
-        <p:nvSpPr>
-          <p:cNvPr id="256" name="Google Shape;256;p29"/>
-          <p:cNvSpPr txBox="1"/>
-          <p:nvPr>
-            <p:ph idx="1" type="body"/>
-          </p:nvPr>
-        </p:nvSpPr>
+      <p:pic>
+        <p:nvPicPr>
+          <p:cNvPr id="258" name="Google Shape;258;p29"/>
+          <p:cNvPicPr preferRelativeResize="0"/>
+          <p:nvPr/>
+        </p:nvPicPr>
+        <p:blipFill>
+          <a:blip r:embed="rId3">
+            <a:alphaModFix/>
+          </a:blip>
+          <a:stretch>
+            <a:fillRect/>
+          </a:stretch>
+        </p:blipFill>
         <p:spPr>
           <a:xfrm>
-            <a:off x="4022850" y="770525"/>
-            <a:ext cx="4919400" cy="1979700"/>
+            <a:off x="3519075" y="0"/>
+            <a:ext cx="1248250" cy="5143500"/>
           </a:xfrm>
           <a:prstGeom prst="rect">
             <a:avLst/>
           </a:prstGeom>
-          <a:ln cap="flat" cmpd="sng" w="19050">
-            <a:solidFill>
-              <a:srgbClr val="000000"/>
-            </a:solidFill>
-            <a:prstDash val="solid"/>
-            <a:round/>
-            <a:headEnd len="sm" w="sm" type="none"/>
-            <a:tailEnd len="sm" w="sm" type="none"/>
+          <a:noFill/>
+          <a:ln>
+            <a:noFill/>
           </a:ln>
         </p:spPr>
-        <p:txBody>
-          <a:bodyPr anchorCtr="0" anchor="t" bIns="91425" lIns="91425" spcFirstLastPara="1" rIns="91425" wrap="square" tIns="91425">
-            <a:noAutofit/>
-          </a:bodyPr>
-          <a:lstStyle/>
-          <a:p>
-            <a:pPr indent="0" lvl="0" marL="0" rtl="0" algn="l">
-              <a:spcBef>
-                <a:spcPts val="0"/>
-              </a:spcBef>
-              <a:spcAft>
-                <a:spcPts val="1600"/>
-              </a:spcAft>
-              <a:buNone/>
-            </a:pPr>
-            <a:r>
-              <a:rPr i="1" lang="en" sz="1300">
-                <a:solidFill>
-                  <a:srgbClr val="000000"/>
-                </a:solidFill>
-              </a:rPr>
-              <a:t>Lafave was charged in 2004 with two counts of lewd and lascivious battery and one count of lewd and lascivious exhibition after she allegedly had sex with the student in a sport utility vehicle while another teenager drove. Lafave was sentenced in Hillsborough County, where Tampa is located, to three years of house arrest and seven years probation after pleading guilty Nov. 22 to two counts of lewd and lascivious battery for having sex with the boy in a classroom and her home.</a:t>
-            </a:r>
-            <a:endParaRPr i="1" sz="1300">
-              <a:solidFill>
-                <a:srgbClr val="000000"/>
-              </a:solidFill>
-            </a:endParaRPr>
-          </a:p>
-        </p:txBody>
-      </p:sp>
-      <p:sp>
-        <p:nvSpPr>
-          <p:cNvPr id="257" name="Google Shape;257;p29"/>
-          <p:cNvSpPr txBox="1"/>
-          <p:nvPr>
-            <p:ph idx="1" type="body"/>
-          </p:nvPr>
-        </p:nvSpPr>
+      </p:pic>
+      <p:pic>
+        <p:nvPicPr>
+          <p:cNvPr id="259" name="Google Shape;259;p29"/>
+          <p:cNvPicPr preferRelativeResize="0"/>
+          <p:nvPr/>
+        </p:nvPicPr>
+        <p:blipFill>
+          <a:blip r:embed="rId4">
+            <a:alphaModFix/>
+          </a:blip>
+          <a:stretch>
+            <a:fillRect/>
+          </a:stretch>
+        </p:blipFill>
         <p:spPr>
           <a:xfrm>
-            <a:off x="4022850" y="2933500"/>
-            <a:ext cx="4919400" cy="2129400"/>
+            <a:off x="5441738" y="1052563"/>
+            <a:ext cx="2867025" cy="2676525"/>
           </a:xfrm>
           <a:prstGeom prst="rect">
             <a:avLst/>
           </a:prstGeom>
-          <a:ln cap="flat" cmpd="sng" w="19050">
-            <a:solidFill>
-              <a:srgbClr val="000000"/>
-            </a:solidFill>
-            <a:prstDash val="solid"/>
-            <a:round/>
-            <a:headEnd len="sm" w="sm" type="none"/>
-            <a:tailEnd len="sm" w="sm" type="none"/>
+          <a:noFill/>
+          <a:ln>
+            <a:noFill/>
           </a:ln>
         </p:spPr>
-        <p:txBody>
-          <a:bodyPr anchorCtr="0" anchor="t" bIns="91425" lIns="91425" spcFirstLastPara="1" rIns="91425" wrap="square" tIns="91425">
-            <a:noAutofit/>
-          </a:bodyPr>
-          <a:lstStyle/>
-          <a:p>
-            <a:pPr indent="0" lvl="0" marL="0" rtl="0" algn="l">
-              <a:lnSpc>
-                <a:spcPct val="100000"/>
-              </a:lnSpc>
-              <a:spcBef>
-                <a:spcPts val="0"/>
-              </a:spcBef>
-              <a:spcAft>
-                <a:spcPts val="0"/>
-              </a:spcAft>
-              <a:buClr>
-                <a:schemeClr val="dk1"/>
-              </a:buClr>
-              <a:buSzPts val="1100"/>
-              <a:buFont typeface="Arial"/>
-              <a:buNone/>
-            </a:pPr>
-            <a:r>
-              <a:rPr i="1" lang="en" sz="1300">
-                <a:solidFill>
-                  <a:schemeClr val="dk1"/>
-                </a:solidFill>
-              </a:rPr>
-              <a:t>A hitch has developed in a plea deal agreed to by a former teacher who pleaded guilty to having sex with a 14-year-old student, a spokesman for the prosecutor said.</a:t>
-            </a:r>
-            <a:endParaRPr i="1" sz="1300">
-              <a:solidFill>
-                <a:schemeClr val="dk1"/>
-              </a:solidFill>
-            </a:endParaRPr>
-          </a:p>
-          <a:p>
-            <a:pPr indent="0" lvl="0" marL="0" rtl="0" algn="l">
-              <a:lnSpc>
-                <a:spcPct val="100000"/>
-              </a:lnSpc>
-              <a:spcBef>
-                <a:spcPts val="0"/>
-              </a:spcBef>
-              <a:spcAft>
-                <a:spcPts val="0"/>
-              </a:spcAft>
-              <a:buClr>
-                <a:schemeClr val="dk1"/>
-              </a:buClr>
-              <a:buSzPts val="1100"/>
-              <a:buFont typeface="Arial"/>
-              <a:buNone/>
-            </a:pPr>
-            <a:r>
-              <a:rPr i="1" lang="en" sz="1300">
-                <a:solidFill>
-                  <a:schemeClr val="dk1"/>
-                </a:solidFill>
-              </a:rPr>
-              <a:t>The agreement was meant to resolve charges against Debra Lafave, 25, in two counties.</a:t>
-            </a:r>
-            <a:endParaRPr i="1" sz="1300">
-              <a:solidFill>
-                <a:schemeClr val="dk1"/>
-              </a:solidFill>
-            </a:endParaRPr>
-          </a:p>
-          <a:p>
-            <a:pPr indent="0" lvl="0" marL="0" rtl="0" algn="l">
-              <a:lnSpc>
-                <a:spcPct val="100000"/>
-              </a:lnSpc>
-              <a:spcBef>
-                <a:spcPts val="0"/>
-              </a:spcBef>
-              <a:spcAft>
-                <a:spcPts val="0"/>
-              </a:spcAft>
-              <a:buClr>
-                <a:schemeClr val="dk1"/>
-              </a:buClr>
-              <a:buSzPts val="1100"/>
-              <a:buFont typeface="Arial"/>
-              <a:buNone/>
-            </a:pPr>
-            <a:r>
-              <a:rPr i="1" lang="en" sz="1300">
-                <a:solidFill>
-                  <a:schemeClr val="dk1"/>
-                </a:solidFill>
-              </a:rPr>
-              <a:t>But the judge in one of the counties has balked, Ric Ridgeway, a spokesman for the State Attorney's Office, said Thursday.</a:t>
-            </a:r>
-            <a:endParaRPr i="1" sz="1300">
-              <a:solidFill>
-                <a:schemeClr val="dk1"/>
-              </a:solidFill>
-            </a:endParaRPr>
-          </a:p>
-          <a:p>
-            <a:pPr indent="0" lvl="0" marL="0" rtl="0" algn="l">
-              <a:lnSpc>
-                <a:spcPct val="100000"/>
-              </a:lnSpc>
-              <a:spcBef>
-                <a:spcPts val="0"/>
-              </a:spcBef>
-              <a:spcAft>
-                <a:spcPts val="0"/>
-              </a:spcAft>
-              <a:buNone/>
-            </a:pPr>
-            <a:r>
-              <a:rPr i="1" lang="en" sz="1300">
-                <a:solidFill>
-                  <a:schemeClr val="dk1"/>
-                </a:solidFill>
-              </a:rPr>
-              <a:t>Lafave was sentenced to three years of house arrest and seven years probation after pleading guilty last month in Hillsborough County to two counts of lewd and lascivious battery.</a:t>
-            </a:r>
-            <a:endParaRPr i="1" sz="1300">
-              <a:solidFill>
-                <a:schemeClr val="dk1"/>
-              </a:solidFill>
-            </a:endParaRPr>
-          </a:p>
-        </p:txBody>
-      </p:sp>
+      </p:pic>
     </p:spTree>
   </p:cSld>
   <p:clrMapOvr>
@@ -16452,7 +16118,7 @@
   <p:cSld>
     <p:spTree>
       <p:nvGrpSpPr>
-        <p:cNvPr id="261" name="Shape 261"/>
+        <p:cNvPr id="263" name="Shape 263"/>
         <p:cNvGrpSpPr/>
         <p:nvPr/>
       </p:nvGrpSpPr>
@@ -16466,7 +16132,7 @@
       </p:grpSpPr>
       <p:sp>
         <p:nvSpPr>
-          <p:cNvPr id="262" name="Google Shape;262;p30"/>
+          <p:cNvPr id="264" name="Google Shape;264;p30"/>
           <p:cNvSpPr txBox="1"/>
           <p:nvPr>
             <p:ph type="title"/>
@@ -16494,59 +16160,27 @@
               <a:spcAft>
                 <a:spcPts val="0"/>
               </a:spcAft>
-              <a:buClr>
-                <a:schemeClr val="dk2"/>
-              </a:buClr>
-              <a:buSzPts val="1100"/>
-              <a:buFont typeface="Arial"/>
-              <a:buNone/>
-            </a:pPr>
-            <a:r>
-              <a:rPr lang="en"/>
-              <a:t>System architecture</a:t>
-            </a:r>
-            <a:endParaRPr/>
-          </a:p>
-          <a:p>
-            <a:pPr indent="0" lvl="0" marL="0" rtl="0" algn="l">
-              <a:spcBef>
-                <a:spcPts val="0"/>
-              </a:spcBef>
-              <a:spcAft>
-                <a:spcPts val="0"/>
-              </a:spcAft>
-              <a:buClr>
-                <a:schemeClr val="dk2"/>
-              </a:buClr>
-              <a:buSzPts val="1100"/>
-              <a:buFont typeface="Arial"/>
-              <a:buNone/>
-            </a:pPr>
-            <a:r>
-              <a:t/>
-            </a:r>
-            <a:endParaRPr/>
-          </a:p>
-          <a:p>
-            <a:pPr indent="0" lvl="0" marL="0" rtl="0" algn="l">
-              <a:spcBef>
-                <a:spcPts val="0"/>
-              </a:spcBef>
-              <a:spcAft>
-                <a:spcPts val="0"/>
-              </a:spcAft>
-              <a:buNone/>
-            </a:pPr>
-            <a:r>
-              <a:t/>
-            </a:r>
-            <a:endParaRPr/>
+              <a:buNone/>
+            </a:pPr>
+            <a:r>
+              <a:rPr b="1" lang="en">
+                <a:solidFill>
+                  <a:schemeClr val="dk1"/>
+                </a:solidFill>
+              </a:rPr>
+              <a:t>Analysis</a:t>
+            </a:r>
+            <a:endParaRPr b="1">
+              <a:solidFill>
+                <a:schemeClr val="dk1"/>
+              </a:solidFill>
+            </a:endParaRPr>
           </a:p>
         </p:txBody>
       </p:sp>
       <p:sp>
         <p:nvSpPr>
-          <p:cNvPr id="263" name="Google Shape;263;p30"/>
+          <p:cNvPr id="265" name="Google Shape;265;p30"/>
           <p:cNvSpPr txBox="1"/>
           <p:nvPr>
             <p:ph idx="1" type="body"/>
@@ -16567,130 +16201,63 @@
           </a:bodyPr>
           <a:lstStyle/>
           <a:p>
-            <a:pPr indent="0" lvl="0" marL="0" rtl="0" algn="l">
-              <a:spcBef>
-                <a:spcPts val="0"/>
-              </a:spcBef>
-              <a:spcAft>
-                <a:spcPts val="0"/>
-              </a:spcAft>
-              <a:buClr>
-                <a:schemeClr val="dk2"/>
-              </a:buClr>
-              <a:buSzPts val="1100"/>
-              <a:buFont typeface="Arial"/>
-              <a:buNone/>
-            </a:pPr>
-            <a:r>
-              <a:rPr lang="en"/>
-              <a:t>Lead Sentence</a:t>
-            </a:r>
-            <a:endParaRPr/>
-          </a:p>
-          <a:p>
-            <a:pPr indent="0" lvl="0" marL="0" rtl="0" algn="l">
-              <a:spcBef>
-                <a:spcPts val="1600"/>
-              </a:spcBef>
-              <a:spcAft>
-                <a:spcPts val="0"/>
-              </a:spcAft>
-              <a:buNone/>
-            </a:pPr>
-            <a:r>
-              <a:t/>
-            </a:r>
-            <a:endParaRPr/>
-          </a:p>
-          <a:p>
-            <a:pPr indent="0" lvl="0" marL="0" rtl="0" algn="l">
-              <a:spcBef>
-                <a:spcPts val="1600"/>
-              </a:spcBef>
-              <a:spcAft>
-                <a:spcPts val="0"/>
-              </a:spcAft>
-              <a:buNone/>
-            </a:pPr>
-            <a:r>
-              <a:t/>
-            </a:r>
-            <a:endParaRPr/>
-          </a:p>
-          <a:p>
-            <a:pPr indent="0" lvl="0" marL="0" rtl="0" algn="l">
-              <a:spcBef>
-                <a:spcPts val="1600"/>
-              </a:spcBef>
-              <a:spcAft>
-                <a:spcPts val="1600"/>
-              </a:spcAft>
-              <a:buNone/>
-            </a:pPr>
-            <a:r>
-              <a:rPr lang="en"/>
-              <a:t>MEAD System</a:t>
-            </a:r>
-            <a:endParaRPr/>
+            <a:pPr indent="-381000" lvl="0" marL="457200" rtl="0" algn="l">
+              <a:spcBef>
+                <a:spcPts val="0"/>
+              </a:spcBef>
+              <a:spcAft>
+                <a:spcPts val="0"/>
+              </a:spcAft>
+              <a:buSzPts val="2400"/>
+              <a:buFont typeface="Economica"/>
+              <a:buChar char="●"/>
+            </a:pPr>
+            <a:r>
+              <a:rPr lang="en" sz="2400">
+                <a:latin typeface="Economica"/>
+                <a:ea typeface="Economica"/>
+                <a:cs typeface="Economica"/>
+                <a:sym typeface="Economica"/>
+              </a:rPr>
+              <a:t>Average length of sentences is 20~30 words</a:t>
+            </a:r>
+            <a:endParaRPr sz="2400">
+              <a:latin typeface="Economica"/>
+              <a:ea typeface="Economica"/>
+              <a:cs typeface="Economica"/>
+              <a:sym typeface="Economica"/>
+            </a:endParaRPr>
+          </a:p>
+          <a:p>
+            <a:pPr indent="-342900" lvl="1" marL="914400" rtl="0" algn="l">
+              <a:spcBef>
+                <a:spcPts val="0"/>
+              </a:spcBef>
+              <a:spcAft>
+                <a:spcPts val="0"/>
+              </a:spcAft>
+              <a:buSzPts val="1800"/>
+              <a:buFont typeface="Economica"/>
+              <a:buChar char="○"/>
+            </a:pPr>
+            <a:r>
+              <a:rPr lang="en" sz="1800">
+                <a:latin typeface="Economica"/>
+                <a:ea typeface="Economica"/>
+                <a:cs typeface="Economica"/>
+                <a:sym typeface="Economica"/>
+              </a:rPr>
+              <a:t>Only 2~4 sentences in the summarization</a:t>
+            </a:r>
+            <a:endParaRPr sz="1800">
+              <a:latin typeface="Economica"/>
+              <a:ea typeface="Economica"/>
+              <a:cs typeface="Economica"/>
+              <a:sym typeface="Economica"/>
+            </a:endParaRPr>
           </a:p>
         </p:txBody>
       </p:sp>
-      <p:pic>
-        <p:nvPicPr>
-          <p:cNvPr id="264" name="Google Shape;264;p30"/>
-          <p:cNvPicPr preferRelativeResize="0"/>
-          <p:nvPr/>
-        </p:nvPicPr>
-        <p:blipFill>
-          <a:blip r:embed="rId3">
-            <a:alphaModFix/>
-          </a:blip>
-          <a:stretch>
-            <a:fillRect/>
-          </a:stretch>
-        </p:blipFill>
-        <p:spPr>
-          <a:xfrm>
-            <a:off x="3519075" y="0"/>
-            <a:ext cx="1248250" cy="5143500"/>
-          </a:xfrm>
-          <a:prstGeom prst="rect">
-            <a:avLst/>
-          </a:prstGeom>
-          <a:noFill/>
-          <a:ln>
-            <a:noFill/>
-          </a:ln>
-        </p:spPr>
-      </p:pic>
-      <p:pic>
-        <p:nvPicPr>
-          <p:cNvPr id="265" name="Google Shape;265;p30"/>
-          <p:cNvPicPr preferRelativeResize="0"/>
-          <p:nvPr/>
-        </p:nvPicPr>
-        <p:blipFill>
-          <a:blip r:embed="rId4">
-            <a:alphaModFix/>
-          </a:blip>
-          <a:stretch>
-            <a:fillRect/>
-          </a:stretch>
-        </p:blipFill>
-        <p:spPr>
-          <a:xfrm>
-            <a:off x="5441738" y="1052563"/>
-            <a:ext cx="2867025" cy="2676525"/>
-          </a:xfrm>
-          <a:prstGeom prst="rect">
-            <a:avLst/>
-          </a:prstGeom>
-          <a:noFill/>
-          <a:ln>
-            <a:noFill/>
-          </a:ln>
-        </p:spPr>
-      </p:pic>
     </p:spTree>
   </p:cSld>
   <p:clrMapOvr>
@@ -16746,631 +16313,6 @@
               <a:spcAft>
                 <a:spcPts val="0"/>
               </a:spcAft>
-              <a:buClr>
-                <a:schemeClr val="dk2"/>
-              </a:buClr>
-              <a:buSzPts val="1100"/>
-              <a:buFont typeface="Arial"/>
-              <a:buNone/>
-            </a:pPr>
-            <a:r>
-              <a:rPr lang="en"/>
-              <a:t>Information Ordering</a:t>
-            </a:r>
-            <a:endParaRPr/>
-          </a:p>
-        </p:txBody>
-      </p:sp>
-      <p:sp>
-        <p:nvSpPr>
-          <p:cNvPr id="271" name="Google Shape;271;p31"/>
-          <p:cNvSpPr txBox="1"/>
-          <p:nvPr>
-            <p:ph idx="1" type="body"/>
-          </p:nvPr>
-        </p:nvSpPr>
-        <p:spPr>
-          <a:xfrm>
-            <a:off x="311700" y="1225225"/>
-            <a:ext cx="8520600" cy="3354000"/>
-          </a:xfrm>
-          <a:prstGeom prst="rect">
-            <a:avLst/>
-          </a:prstGeom>
-        </p:spPr>
-        <p:txBody>
-          <a:bodyPr anchorCtr="0" anchor="t" bIns="91425" lIns="91425" spcFirstLastPara="1" rIns="91425" wrap="square" tIns="91425">
-            <a:noAutofit/>
-          </a:bodyPr>
-          <a:lstStyle/>
-          <a:p>
-            <a:pPr indent="0" lvl="0" marL="0" rtl="0" algn="l">
-              <a:spcBef>
-                <a:spcPts val="0"/>
-              </a:spcBef>
-              <a:spcAft>
-                <a:spcPts val="1600"/>
-              </a:spcAft>
-              <a:buNone/>
-            </a:pPr>
-            <a:r>
-              <a:t/>
-            </a:r>
-            <a:endParaRPr/>
-          </a:p>
-        </p:txBody>
-      </p:sp>
-    </p:spTree>
-  </p:cSld>
-  <p:clrMapOvr>
-    <a:masterClrMapping/>
-  </p:clrMapOvr>
-</p:sld>
-</file>
-
-<file path=ppt/slides/slide15.xml><?xml version="1.0" encoding="utf-8"?>
-<p:sld xmlns:a="http://schemas.openxmlformats.org/drawingml/2006/main" xmlns:r="http://schemas.openxmlformats.org/officeDocument/2006/relationships" xmlns:mc="http://schemas.openxmlformats.org/markup-compatibility/2006" xmlns:mv="urn:schemas-microsoft-com:mac:vml" xmlns:p="http://schemas.openxmlformats.org/presentationml/2006/main" xmlns:c="http://schemas.openxmlformats.org/drawingml/2006/chart" xmlns:dgm="http://schemas.openxmlformats.org/drawingml/2006/diagram" xmlns:o="urn:schemas-microsoft-com:office:office" xmlns:v="urn:schemas-microsoft-com:vml" xmlns:pvml="urn:schemas-microsoft-com:office:powerpoint" xmlns:com="http://schemas.openxmlformats.org/drawingml/2006/compatibility" xmlns:p14="http://schemas.microsoft.com/office/powerpoint/2010/main" xmlns:p15="http://schemas.microsoft.com/office/powerpoint/2012/main">
-  <p:cSld>
-    <p:spTree>
-      <p:nvGrpSpPr>
-        <p:cNvPr id="275" name="Shape 275"/>
-        <p:cNvGrpSpPr/>
-        <p:nvPr/>
-      </p:nvGrpSpPr>
-      <p:grpSpPr>
-        <a:xfrm>
-          <a:off x="0" y="0"/>
-          <a:ext cx="0" cy="0"/>
-          <a:chOff x="0" y="0"/>
-          <a:chExt cx="0" cy="0"/>
-        </a:xfrm>
-      </p:grpSpPr>
-      <p:sp>
-        <p:nvSpPr>
-          <p:cNvPr id="276" name="Google Shape;276;p32"/>
-          <p:cNvSpPr txBox="1"/>
-          <p:nvPr>
-            <p:ph type="title"/>
-          </p:nvPr>
-        </p:nvSpPr>
-        <p:spPr>
-          <a:xfrm>
-            <a:off x="311700" y="315925"/>
-            <a:ext cx="8520600" cy="831300"/>
-          </a:xfrm>
-          <a:prstGeom prst="rect">
-            <a:avLst/>
-          </a:prstGeom>
-        </p:spPr>
-        <p:txBody>
-          <a:bodyPr anchorCtr="0" anchor="b" bIns="91425" lIns="91425" spcFirstLastPara="1" rIns="91425" wrap="square" tIns="91425">
-            <a:noAutofit/>
-          </a:bodyPr>
-          <a:lstStyle/>
-          <a:p>
-            <a:pPr indent="0" lvl="0" marL="0" rtl="0" algn="l">
-              <a:spcBef>
-                <a:spcPts val="0"/>
-              </a:spcBef>
-              <a:spcAft>
-                <a:spcPts val="0"/>
-              </a:spcAft>
-              <a:buNone/>
-            </a:pPr>
-            <a:r>
-              <a:rPr lang="en"/>
-              <a:t>Content Realization</a:t>
-            </a:r>
-            <a:endParaRPr/>
-          </a:p>
-        </p:txBody>
-      </p:sp>
-      <p:sp>
-        <p:nvSpPr>
-          <p:cNvPr id="277" name="Google Shape;277;p32"/>
-          <p:cNvSpPr txBox="1"/>
-          <p:nvPr>
-            <p:ph idx="1" type="body"/>
-          </p:nvPr>
-        </p:nvSpPr>
-        <p:spPr>
-          <a:xfrm>
-            <a:off x="311700" y="1225225"/>
-            <a:ext cx="8520600" cy="3354000"/>
-          </a:xfrm>
-          <a:prstGeom prst="rect">
-            <a:avLst/>
-          </a:prstGeom>
-        </p:spPr>
-        <p:txBody>
-          <a:bodyPr anchorCtr="0" anchor="t" bIns="91425" lIns="91425" spcFirstLastPara="1" rIns="91425" wrap="square" tIns="91425">
-            <a:noAutofit/>
-          </a:bodyPr>
-          <a:lstStyle/>
-          <a:p>
-            <a:pPr indent="0" lvl="0" marL="0" rtl="0" algn="l">
-              <a:spcBef>
-                <a:spcPts val="0"/>
-              </a:spcBef>
-              <a:spcAft>
-                <a:spcPts val="1600"/>
-              </a:spcAft>
-              <a:buNone/>
-            </a:pPr>
-            <a:r>
-              <a:t/>
-            </a:r>
-            <a:endParaRPr/>
-          </a:p>
-        </p:txBody>
-      </p:sp>
-    </p:spTree>
-  </p:cSld>
-  <p:clrMapOvr>
-    <a:masterClrMapping/>
-  </p:clrMapOvr>
-</p:sld>
-</file>
-
-<file path=ppt/slides/slide16.xml><?xml version="1.0" encoding="utf-8"?>
-<p:sld xmlns:a="http://schemas.openxmlformats.org/drawingml/2006/main" xmlns:r="http://schemas.openxmlformats.org/officeDocument/2006/relationships" xmlns:mc="http://schemas.openxmlformats.org/markup-compatibility/2006" xmlns:mv="urn:schemas-microsoft-com:mac:vml" xmlns:p="http://schemas.openxmlformats.org/presentationml/2006/main" xmlns:c="http://schemas.openxmlformats.org/drawingml/2006/chart" xmlns:dgm="http://schemas.openxmlformats.org/drawingml/2006/diagram" xmlns:o="urn:schemas-microsoft-com:office:office" xmlns:v="urn:schemas-microsoft-com:vml" xmlns:pvml="urn:schemas-microsoft-com:office:powerpoint" xmlns:com="http://schemas.openxmlformats.org/drawingml/2006/compatibility" xmlns:p14="http://schemas.microsoft.com/office/powerpoint/2010/main" xmlns:p15="http://schemas.microsoft.com/office/powerpoint/2012/main">
-  <p:cSld>
-    <p:spTree>
-      <p:nvGrpSpPr>
-        <p:cNvPr id="281" name="Shape 281"/>
-        <p:cNvGrpSpPr/>
-        <p:nvPr/>
-      </p:nvGrpSpPr>
-      <p:grpSpPr>
-        <a:xfrm>
-          <a:off x="0" y="0"/>
-          <a:ext cx="0" cy="0"/>
-          <a:chOff x="0" y="0"/>
-          <a:chExt cx="0" cy="0"/>
-        </a:xfrm>
-      </p:grpSpPr>
-      <p:sp>
-        <p:nvSpPr>
-          <p:cNvPr id="282" name="Google Shape;282;p33"/>
-          <p:cNvSpPr txBox="1"/>
-          <p:nvPr>
-            <p:ph type="title"/>
-          </p:nvPr>
-        </p:nvSpPr>
-        <p:spPr>
-          <a:xfrm>
-            <a:off x="311700" y="315925"/>
-            <a:ext cx="8520600" cy="831300"/>
-          </a:xfrm>
-          <a:prstGeom prst="rect">
-            <a:avLst/>
-          </a:prstGeom>
-        </p:spPr>
-        <p:txBody>
-          <a:bodyPr anchorCtr="0" anchor="b" bIns="91425" lIns="91425" spcFirstLastPara="1" rIns="91425" wrap="square" tIns="91425">
-            <a:noAutofit/>
-          </a:bodyPr>
-          <a:lstStyle/>
-          <a:p>
-            <a:pPr indent="0" lvl="0" marL="0" rtl="0" algn="l">
-              <a:spcBef>
-                <a:spcPts val="0"/>
-              </a:spcBef>
-              <a:spcAft>
-                <a:spcPts val="0"/>
-              </a:spcAft>
-              <a:buNone/>
-            </a:pPr>
-            <a:r>
-              <a:rPr lang="en"/>
-              <a:t>d2</a:t>
-            </a:r>
-            <a:endParaRPr/>
-          </a:p>
-        </p:txBody>
-      </p:sp>
-      <p:sp>
-        <p:nvSpPr>
-          <p:cNvPr id="283" name="Google Shape;283;p33"/>
-          <p:cNvSpPr txBox="1"/>
-          <p:nvPr>
-            <p:ph idx="1" type="body"/>
-          </p:nvPr>
-        </p:nvSpPr>
-        <p:spPr>
-          <a:xfrm>
-            <a:off x="311700" y="1225225"/>
-            <a:ext cx="8520600" cy="3354000"/>
-          </a:xfrm>
-          <a:prstGeom prst="rect">
-            <a:avLst/>
-          </a:prstGeom>
-        </p:spPr>
-        <p:txBody>
-          <a:bodyPr anchorCtr="0" anchor="t" bIns="91425" lIns="91425" spcFirstLastPara="1" rIns="91425" wrap="square" tIns="91425">
-            <a:noAutofit/>
-          </a:bodyPr>
-          <a:lstStyle/>
-          <a:p>
-            <a:pPr indent="0" lvl="0" marL="0" rtl="0" algn="l">
-              <a:spcBef>
-                <a:spcPts val="900"/>
-              </a:spcBef>
-              <a:spcAft>
-                <a:spcPts val="0"/>
-              </a:spcAft>
-              <a:buClr>
-                <a:schemeClr val="dk2"/>
-              </a:buClr>
-              <a:buSzPts val="1100"/>
-              <a:buFont typeface="Arial"/>
-              <a:buNone/>
-            </a:pPr>
-            <a:r>
-              <a:rPr b="1" lang="en" sz="1200">
-                <a:solidFill>
-                  <a:srgbClr val="2D3B45"/>
-                </a:solidFill>
-                <a:latin typeface="Arial"/>
-                <a:ea typeface="Arial"/>
-                <a:cs typeface="Arial"/>
-                <a:sym typeface="Arial"/>
-              </a:rPr>
-              <a:t>../doc/D2_presentation.{pdf|pptx|etc}:</a:t>
-            </a:r>
-            <a:r>
-              <a:rPr lang="en" sz="1200">
-                <a:solidFill>
-                  <a:srgbClr val="2D3B45"/>
-                </a:solidFill>
-                <a:latin typeface="Arial"/>
-                <a:ea typeface="Arial"/>
-                <a:cs typeface="Arial"/>
-                <a:sym typeface="Arial"/>
-              </a:rPr>
-              <a:t> Your presentation may be prepared in any computer-projectable format, including HTML, PDF, PPT, and Word. Your presentation should take about 10 minutes to cover your main content, including:</a:t>
-            </a:r>
-            <a:endParaRPr sz="1200">
-              <a:solidFill>
-                <a:srgbClr val="2D3B45"/>
-              </a:solidFill>
-              <a:latin typeface="Arial"/>
-              <a:ea typeface="Arial"/>
-              <a:cs typeface="Arial"/>
-              <a:sym typeface="Arial"/>
-            </a:endParaRPr>
-          </a:p>
-          <a:p>
-            <a:pPr indent="-304800" lvl="0" marL="698500" rtl="0" algn="l">
-              <a:spcBef>
-                <a:spcPts val="900"/>
-              </a:spcBef>
-              <a:spcAft>
-                <a:spcPts val="0"/>
-              </a:spcAft>
-              <a:buClr>
-                <a:srgbClr val="2D3B45"/>
-              </a:buClr>
-              <a:buSzPts val="1200"/>
-              <a:buFont typeface="Arial"/>
-              <a:buChar char="●"/>
-            </a:pPr>
-            <a:r>
-              <a:rPr lang="en" sz="1200">
-                <a:solidFill>
-                  <a:srgbClr val="2D3B45"/>
-                </a:solidFill>
-                <a:latin typeface="Arial"/>
-                <a:ea typeface="Arial"/>
-                <a:cs typeface="Arial"/>
-                <a:sym typeface="Arial"/>
-              </a:rPr>
-              <a:t>System architecture</a:t>
-            </a:r>
-            <a:endParaRPr sz="1200">
-              <a:solidFill>
-                <a:srgbClr val="2D3B45"/>
-              </a:solidFill>
-              <a:latin typeface="Arial"/>
-              <a:ea typeface="Arial"/>
-              <a:cs typeface="Arial"/>
-              <a:sym typeface="Arial"/>
-            </a:endParaRPr>
-          </a:p>
-          <a:p>
-            <a:pPr indent="-304800" lvl="0" marL="698500" rtl="0" algn="l">
-              <a:spcBef>
-                <a:spcPts val="0"/>
-              </a:spcBef>
-              <a:spcAft>
-                <a:spcPts val="0"/>
-              </a:spcAft>
-              <a:buClr>
-                <a:srgbClr val="2D3B45"/>
-              </a:buClr>
-              <a:buSzPts val="1200"/>
-              <a:buFont typeface="Arial"/>
-              <a:buChar char="●"/>
-            </a:pPr>
-            <a:r>
-              <a:rPr lang="en" sz="1200">
-                <a:solidFill>
-                  <a:srgbClr val="2D3B45"/>
-                </a:solidFill>
-                <a:latin typeface="Arial"/>
-                <a:ea typeface="Arial"/>
-                <a:cs typeface="Arial"/>
-                <a:sym typeface="Arial"/>
-              </a:rPr>
-              <a:t>Content selection</a:t>
-            </a:r>
-            <a:endParaRPr sz="1200">
-              <a:solidFill>
-                <a:srgbClr val="2D3B45"/>
-              </a:solidFill>
-              <a:latin typeface="Arial"/>
-              <a:ea typeface="Arial"/>
-              <a:cs typeface="Arial"/>
-              <a:sym typeface="Arial"/>
-            </a:endParaRPr>
-          </a:p>
-          <a:p>
-            <a:pPr indent="-304800" lvl="0" marL="698500" rtl="0" algn="l">
-              <a:spcBef>
-                <a:spcPts val="0"/>
-              </a:spcBef>
-              <a:spcAft>
-                <a:spcPts val="0"/>
-              </a:spcAft>
-              <a:buClr>
-                <a:srgbClr val="2D3B45"/>
-              </a:buClr>
-              <a:buSzPts val="1200"/>
-              <a:buFont typeface="Arial"/>
-              <a:buChar char="●"/>
-            </a:pPr>
-            <a:r>
-              <a:rPr lang="en" sz="1200">
-                <a:solidFill>
-                  <a:srgbClr val="2D3B45"/>
-                </a:solidFill>
-                <a:latin typeface="Arial"/>
-                <a:ea typeface="Arial"/>
-                <a:cs typeface="Arial"/>
-                <a:sym typeface="Arial"/>
-              </a:rPr>
-              <a:t>Information Ordering</a:t>
-            </a:r>
-            <a:endParaRPr sz="1200">
-              <a:solidFill>
-                <a:srgbClr val="2D3B45"/>
-              </a:solidFill>
-              <a:latin typeface="Arial"/>
-              <a:ea typeface="Arial"/>
-              <a:cs typeface="Arial"/>
-              <a:sym typeface="Arial"/>
-            </a:endParaRPr>
-          </a:p>
-          <a:p>
-            <a:pPr indent="-304800" lvl="0" marL="698500" rtl="0" algn="l">
-              <a:spcBef>
-                <a:spcPts val="0"/>
-              </a:spcBef>
-              <a:spcAft>
-                <a:spcPts val="0"/>
-              </a:spcAft>
-              <a:buClr>
-                <a:srgbClr val="2D3B45"/>
-              </a:buClr>
-              <a:buSzPts val="1200"/>
-              <a:buFont typeface="Arial"/>
-              <a:buChar char="●"/>
-            </a:pPr>
-            <a:r>
-              <a:rPr lang="en" sz="1200">
-                <a:solidFill>
-                  <a:srgbClr val="2D3B45"/>
-                </a:solidFill>
-                <a:latin typeface="Arial"/>
-                <a:ea typeface="Arial"/>
-                <a:cs typeface="Arial"/>
-                <a:sym typeface="Arial"/>
-              </a:rPr>
-              <a:t>Content Realization</a:t>
-            </a:r>
-            <a:endParaRPr sz="1200">
-              <a:solidFill>
-                <a:srgbClr val="2D3B45"/>
-              </a:solidFill>
-              <a:latin typeface="Arial"/>
-              <a:ea typeface="Arial"/>
-              <a:cs typeface="Arial"/>
-              <a:sym typeface="Arial"/>
-            </a:endParaRPr>
-          </a:p>
-          <a:p>
-            <a:pPr indent="-304800" lvl="0" marL="698500" rtl="0" algn="l">
-              <a:spcBef>
-                <a:spcPts val="0"/>
-              </a:spcBef>
-              <a:spcAft>
-                <a:spcPts val="0"/>
-              </a:spcAft>
-              <a:buClr>
-                <a:srgbClr val="2D3B45"/>
-              </a:buClr>
-              <a:buSzPts val="1200"/>
-              <a:buFont typeface="Arial"/>
-              <a:buChar char="●"/>
-            </a:pPr>
-            <a:r>
-              <a:rPr lang="en" sz="1200">
-                <a:solidFill>
-                  <a:srgbClr val="2D3B45"/>
-                </a:solidFill>
-                <a:latin typeface="Arial"/>
-                <a:ea typeface="Arial"/>
-                <a:cs typeface="Arial"/>
-                <a:sym typeface="Arial"/>
-              </a:rPr>
-              <a:t>Issues and successes</a:t>
-            </a:r>
-            <a:endParaRPr sz="1200">
-              <a:solidFill>
-                <a:srgbClr val="2D3B45"/>
-              </a:solidFill>
-              <a:latin typeface="Arial"/>
-              <a:ea typeface="Arial"/>
-              <a:cs typeface="Arial"/>
-              <a:sym typeface="Arial"/>
-            </a:endParaRPr>
-          </a:p>
-          <a:p>
-            <a:pPr indent="-304800" lvl="0" marL="698500" rtl="0" algn="l">
-              <a:spcBef>
-                <a:spcPts val="0"/>
-              </a:spcBef>
-              <a:spcAft>
-                <a:spcPts val="0"/>
-              </a:spcAft>
-              <a:buClr>
-                <a:srgbClr val="2D3B45"/>
-              </a:buClr>
-              <a:buSzPts val="1200"/>
-              <a:buFont typeface="Arial"/>
-              <a:buChar char="●"/>
-            </a:pPr>
-            <a:r>
-              <a:rPr lang="en" sz="1200">
-                <a:solidFill>
-                  <a:srgbClr val="2D3B45"/>
-                </a:solidFill>
-                <a:latin typeface="Arial"/>
-                <a:ea typeface="Arial"/>
-                <a:cs typeface="Arial"/>
-                <a:sym typeface="Arial"/>
-              </a:rPr>
-              <a:t>Related reading which influenced your approach</a:t>
-            </a:r>
-            <a:endParaRPr sz="1200">
-              <a:solidFill>
-                <a:srgbClr val="2D3B45"/>
-              </a:solidFill>
-              <a:latin typeface="Arial"/>
-              <a:ea typeface="Arial"/>
-              <a:cs typeface="Arial"/>
-              <a:sym typeface="Arial"/>
-            </a:endParaRPr>
-          </a:p>
-          <a:p>
-            <a:pPr indent="0" lvl="0" marL="0" rtl="0" algn="l">
-              <a:spcBef>
-                <a:spcPts val="1000"/>
-              </a:spcBef>
-              <a:spcAft>
-                <a:spcPts val="0"/>
-              </a:spcAft>
-              <a:buClr>
-                <a:schemeClr val="dk2"/>
-              </a:buClr>
-              <a:buSzPts val="1100"/>
-              <a:buFont typeface="Arial"/>
-              <a:buNone/>
-            </a:pPr>
-            <a:r>
-              <a:rPr lang="en" sz="1200">
-                <a:solidFill>
-                  <a:srgbClr val="2D3B45"/>
-                </a:solidFill>
-                <a:latin typeface="Arial"/>
-                <a:ea typeface="Arial"/>
-                <a:cs typeface="Arial"/>
-                <a:sym typeface="Arial"/>
-              </a:rPr>
-              <a:t>Your presentation should be deposited in your doc directory, but it is not due until the actual presentation time. You may continue working on it after the main deliverable is due.</a:t>
-            </a:r>
-            <a:endParaRPr sz="1200">
-              <a:solidFill>
-                <a:srgbClr val="2D3B45"/>
-              </a:solidFill>
-              <a:latin typeface="Arial"/>
-              <a:ea typeface="Arial"/>
-              <a:cs typeface="Arial"/>
-              <a:sym typeface="Arial"/>
-            </a:endParaRPr>
-          </a:p>
-          <a:p>
-            <a:pPr indent="0" lvl="0" marL="0" rtl="0" algn="l">
-              <a:spcBef>
-                <a:spcPts val="900"/>
-              </a:spcBef>
-              <a:spcAft>
-                <a:spcPts val="1600"/>
-              </a:spcAft>
-              <a:buNone/>
-            </a:pPr>
-            <a:r>
-              <a:t/>
-            </a:r>
-            <a:endParaRPr/>
-          </a:p>
-        </p:txBody>
-      </p:sp>
-    </p:spTree>
-  </p:cSld>
-  <p:clrMapOvr>
-    <a:masterClrMapping/>
-  </p:clrMapOvr>
-</p:sld>
-</file>
-
-<file path=ppt/slides/slide17.xml><?xml version="1.0" encoding="utf-8"?>
-<p:sld xmlns:a="http://schemas.openxmlformats.org/drawingml/2006/main" xmlns:r="http://schemas.openxmlformats.org/officeDocument/2006/relationships" xmlns:mc="http://schemas.openxmlformats.org/markup-compatibility/2006" xmlns:mv="urn:schemas-microsoft-com:mac:vml" xmlns:p="http://schemas.openxmlformats.org/presentationml/2006/main" xmlns:c="http://schemas.openxmlformats.org/drawingml/2006/chart" xmlns:dgm="http://schemas.openxmlformats.org/drawingml/2006/diagram" xmlns:o="urn:schemas-microsoft-com:office:office" xmlns:v="urn:schemas-microsoft-com:vml" xmlns:pvml="urn:schemas-microsoft-com:office:powerpoint" xmlns:com="http://schemas.openxmlformats.org/drawingml/2006/compatibility" xmlns:p14="http://schemas.microsoft.com/office/powerpoint/2010/main" xmlns:p15="http://schemas.microsoft.com/office/powerpoint/2012/main">
-  <p:cSld>
-    <p:spTree>
-      <p:nvGrpSpPr>
-        <p:cNvPr id="287" name="Shape 287"/>
-        <p:cNvGrpSpPr/>
-        <p:nvPr/>
-      </p:nvGrpSpPr>
-      <p:grpSpPr>
-        <a:xfrm>
-          <a:off x="0" y="0"/>
-          <a:ext cx="0" cy="0"/>
-          <a:chOff x="0" y="0"/>
-          <a:chExt cx="0" cy="0"/>
-        </a:xfrm>
-      </p:grpSpPr>
-      <p:sp>
-        <p:nvSpPr>
-          <p:cNvPr id="288" name="Google Shape;288;p34"/>
-          <p:cNvSpPr txBox="1"/>
-          <p:nvPr>
-            <p:ph type="title"/>
-          </p:nvPr>
-        </p:nvSpPr>
-        <p:spPr>
-          <a:xfrm>
-            <a:off x="311700" y="315925"/>
-            <a:ext cx="8520600" cy="831300"/>
-          </a:xfrm>
-          <a:prstGeom prst="rect">
-            <a:avLst/>
-          </a:prstGeom>
-        </p:spPr>
-        <p:txBody>
-          <a:bodyPr anchorCtr="0" anchor="b" bIns="91425" lIns="91425" spcFirstLastPara="1" rIns="91425" wrap="square" tIns="91425">
-            <a:noAutofit/>
-          </a:bodyPr>
-          <a:lstStyle/>
-          <a:p>
-            <a:pPr indent="0" lvl="0" marL="0" rtl="0" algn="l">
-              <a:spcBef>
-                <a:spcPts val="0"/>
-              </a:spcBef>
-              <a:spcAft>
-                <a:spcPts val="0"/>
-              </a:spcAft>
               <a:buNone/>
             </a:pPr>
             <a:r>
@@ -17391,7 +16333,7 @@
       </p:sp>
       <p:sp>
         <p:nvSpPr>
-          <p:cNvPr id="289" name="Google Shape;289;p34"/>
+          <p:cNvPr id="271" name="Google Shape;271;p31"/>
           <p:cNvSpPr txBox="1"/>
           <p:nvPr>
             <p:ph idx="1" type="body"/>
@@ -17557,7 +16499,7 @@
             <a:tbl>
               <a:tblPr>
                 <a:noFill/>
-                <a:tableStyleId>{3B625DE5-45E9-400B-B67F-DF794919DB19}</a:tableStyleId>
+                <a:tableStyleId>{D7DB95F2-2406-4E48-8F95-0D9F9F95638D}</a:tableStyleId>
               </a:tblPr>
               <a:tblGrid>
                 <a:gridCol w="2413000"/>
@@ -20526,15 +19468,15 @@
         </p:nvSpPr>
         <p:spPr>
           <a:xfrm>
-            <a:off x="311700" y="315925"/>
-            <a:ext cx="8520600" cy="831300"/>
+            <a:off x="311700" y="1153900"/>
+            <a:ext cx="2655000" cy="858900"/>
           </a:xfrm>
           <a:prstGeom prst="rect">
             <a:avLst/>
           </a:prstGeom>
         </p:spPr>
         <p:txBody>
-          <a:bodyPr anchorCtr="0" anchor="b" bIns="91425" lIns="91425" spcFirstLastPara="1" rIns="91425" wrap="square" tIns="91425">
+          <a:bodyPr anchorCtr="0" anchor="ctr" bIns="91425" lIns="91425" spcFirstLastPara="1" rIns="91425" wrap="square" tIns="91425">
             <a:noAutofit/>
           </a:bodyPr>
           <a:lstStyle/>
@@ -20549,18 +19491,10 @@
               <a:buNone/>
             </a:pPr>
             <a:r>
-              <a:rPr b="1" lang="en">
-                <a:solidFill>
-                  <a:schemeClr val="dk1"/>
-                </a:solidFill>
-              </a:rPr>
-              <a:t>Analysis</a:t>
-            </a:r>
-            <a:endParaRPr b="1">
-              <a:solidFill>
-                <a:schemeClr val="dk1"/>
-              </a:solidFill>
-            </a:endParaRPr>
+              <a:rPr b="1" lang="en" sz="4200"/>
+              <a:t>Next Steps</a:t>
+            </a:r>
+            <a:endParaRPr b="1" sz="4200"/>
           </a:p>
         </p:txBody>
       </p:sp>
@@ -20574,8 +19508,8 @@
         </p:nvSpPr>
         <p:spPr>
           <a:xfrm>
-            <a:off x="311700" y="1225225"/>
-            <a:ext cx="8520600" cy="3354000"/>
+            <a:off x="311700" y="2022050"/>
+            <a:ext cx="2655000" cy="2928300"/>
           </a:xfrm>
           <a:prstGeom prst="rect">
             <a:avLst/>
@@ -20587,27 +19521,27 @@
           </a:bodyPr>
           <a:lstStyle/>
           <a:p>
-            <a:pPr indent="-381000" lvl="0" marL="457200" rtl="0" algn="l">
-              <a:spcBef>
-                <a:spcPts val="0"/>
-              </a:spcBef>
-              <a:spcAft>
-                <a:spcPts val="0"/>
-              </a:spcAft>
-              <a:buSzPts val="2400"/>
+            <a:pPr indent="-323850" lvl="0" marL="457200" rtl="0" algn="l">
+              <a:spcBef>
+                <a:spcPts val="0"/>
+              </a:spcBef>
+              <a:spcAft>
+                <a:spcPts val="0"/>
+              </a:spcAft>
+              <a:buSzPts val="1500"/>
               <a:buFont typeface="Economica"/>
               <a:buChar char="●"/>
             </a:pPr>
             <a:r>
-              <a:rPr lang="en" sz="2400">
+              <a:rPr lang="en" sz="1500">
                 <a:latin typeface="Economica"/>
                 <a:ea typeface="Economica"/>
                 <a:cs typeface="Economica"/>
                 <a:sym typeface="Economica"/>
               </a:rPr>
-              <a:t>Average length of sentences is 20~30 words</a:t>
-            </a:r>
-            <a:endParaRPr sz="2400">
+              <a:t>More Pre-processing (NER, lemmatization)</a:t>
+            </a:r>
+            <a:endParaRPr sz="1500">
               <a:latin typeface="Economica"/>
               <a:ea typeface="Economica"/>
               <a:cs typeface="Economica"/>
@@ -20615,44 +19549,192 @@
             </a:endParaRPr>
           </a:p>
           <a:p>
-            <a:pPr indent="-342900" lvl="1" marL="914400" rtl="0" algn="l">
-              <a:spcBef>
-                <a:spcPts val="0"/>
-              </a:spcBef>
-              <a:spcAft>
-                <a:spcPts val="0"/>
-              </a:spcAft>
-              <a:buSzPts val="1800"/>
+            <a:pPr indent="-323850" lvl="0" marL="457200" rtl="0" algn="l">
+              <a:spcBef>
+                <a:spcPts val="0"/>
+              </a:spcBef>
+              <a:spcAft>
+                <a:spcPts val="0"/>
+              </a:spcAft>
+              <a:buSzPts val="1500"/>
               <a:buFont typeface="Economica"/>
-              <a:buChar char="○"/>
-            </a:pPr>
-            <a:r>
-              <a:rPr lang="en" sz="1800">
+              <a:buChar char="●"/>
+            </a:pPr>
+            <a:r>
+              <a:rPr b="1" lang="en" sz="1500">
                 <a:latin typeface="Economica"/>
                 <a:ea typeface="Economica"/>
                 <a:cs typeface="Economica"/>
                 <a:sym typeface="Economica"/>
               </a:rPr>
-              <a:t>Only 2~4 sentences in the </a:t>
-            </a:r>
-            <a:r>
-              <a:rPr lang="en" sz="1800">
+              <a:t>Content selection</a:t>
+            </a:r>
+            <a:r>
+              <a:rPr lang="en" sz="1500">
                 <a:latin typeface="Economica"/>
                 <a:ea typeface="Economica"/>
                 <a:cs typeface="Economica"/>
                 <a:sym typeface="Economica"/>
               </a:rPr>
-              <a:t>summarization</a:t>
-            </a:r>
-            <a:endParaRPr sz="1800">
+              <a:t>: </a:t>
+            </a:r>
+            <a:r>
+              <a:rPr lang="en" sz="1500">
+                <a:latin typeface="Economica"/>
+                <a:ea typeface="Economica"/>
+                <a:cs typeface="Economica"/>
+                <a:sym typeface="Economica"/>
+              </a:rPr>
+              <a:t>MEALDA</a:t>
+            </a:r>
+            <a:endParaRPr sz="1500">
               <a:latin typeface="Economica"/>
               <a:ea typeface="Economica"/>
               <a:cs typeface="Economica"/>
               <a:sym typeface="Economica"/>
             </a:endParaRPr>
           </a:p>
+          <a:p>
+            <a:pPr indent="-323850" lvl="0" marL="457200" rtl="0" algn="l">
+              <a:spcBef>
+                <a:spcPts val="0"/>
+              </a:spcBef>
+              <a:spcAft>
+                <a:spcPts val="0"/>
+              </a:spcAft>
+              <a:buSzPts val="1500"/>
+              <a:buFont typeface="Economica"/>
+              <a:buChar char="●"/>
+            </a:pPr>
+            <a:r>
+              <a:rPr lang="en" sz="1500">
+                <a:latin typeface="Economica"/>
+                <a:ea typeface="Economica"/>
+                <a:cs typeface="Economica"/>
+                <a:sym typeface="Economica"/>
+              </a:rPr>
+              <a:t>Explore additional outside corpora</a:t>
+            </a:r>
+            <a:endParaRPr sz="1500">
+              <a:latin typeface="Economica"/>
+              <a:ea typeface="Economica"/>
+              <a:cs typeface="Economica"/>
+              <a:sym typeface="Economica"/>
+            </a:endParaRPr>
+          </a:p>
+          <a:p>
+            <a:pPr indent="-323850" lvl="0" marL="457200" rtl="0" algn="l">
+              <a:spcBef>
+                <a:spcPts val="0"/>
+              </a:spcBef>
+              <a:spcAft>
+                <a:spcPts val="0"/>
+              </a:spcAft>
+              <a:buSzPts val="1500"/>
+              <a:buFont typeface="Economica"/>
+              <a:buChar char="●"/>
+            </a:pPr>
+            <a:r>
+              <a:rPr lang="en" sz="1500">
+                <a:latin typeface="Economica"/>
+                <a:ea typeface="Economica"/>
+                <a:cs typeface="Economica"/>
+                <a:sym typeface="Economica"/>
+              </a:rPr>
+              <a:t>Improve </a:t>
+            </a:r>
+            <a:r>
+              <a:rPr b="1" lang="en" sz="1500">
+                <a:latin typeface="Economica"/>
+                <a:ea typeface="Economica"/>
+                <a:cs typeface="Economica"/>
+                <a:sym typeface="Economica"/>
+              </a:rPr>
+              <a:t>information ordering </a:t>
+            </a:r>
+            <a:r>
+              <a:rPr lang="en" sz="1500">
+                <a:latin typeface="Economica"/>
+                <a:ea typeface="Economica"/>
+                <a:cs typeface="Economica"/>
+                <a:sym typeface="Economica"/>
+              </a:rPr>
+              <a:t>strategy</a:t>
+            </a:r>
+            <a:endParaRPr sz="1500">
+              <a:latin typeface="Economica"/>
+              <a:ea typeface="Economica"/>
+              <a:cs typeface="Economica"/>
+              <a:sym typeface="Economica"/>
+            </a:endParaRPr>
+          </a:p>
+          <a:p>
+            <a:pPr indent="-323850" lvl="0" marL="457200" rtl="0" algn="l">
+              <a:spcBef>
+                <a:spcPts val="0"/>
+              </a:spcBef>
+              <a:spcAft>
+                <a:spcPts val="0"/>
+              </a:spcAft>
+              <a:buSzPts val="1500"/>
+              <a:buFont typeface="Economica"/>
+              <a:buChar char="●"/>
+            </a:pPr>
+            <a:r>
+              <a:rPr b="1" lang="en" sz="1500">
+                <a:latin typeface="Economica"/>
+                <a:ea typeface="Economica"/>
+                <a:cs typeface="Economica"/>
+                <a:sym typeface="Economica"/>
+              </a:rPr>
+              <a:t>Content realization</a:t>
+            </a:r>
+            <a:r>
+              <a:rPr lang="en" sz="1500">
+                <a:latin typeface="Economica"/>
+                <a:ea typeface="Economica"/>
+                <a:cs typeface="Economica"/>
+                <a:sym typeface="Economica"/>
+              </a:rPr>
+              <a:t>: eliminate unwanted sentences and clauses, e.g. leading location information, multi-line lists</a:t>
+            </a:r>
+            <a:endParaRPr sz="1500">
+              <a:latin typeface="Economica"/>
+              <a:ea typeface="Economica"/>
+              <a:cs typeface="Economica"/>
+              <a:sym typeface="Economica"/>
+            </a:endParaRPr>
+          </a:p>
         </p:txBody>
       </p:sp>
+      <p:pic>
+        <p:nvPicPr>
+          <p:cNvPr id="239" name="Google Shape;239;p26"/>
+          <p:cNvPicPr preferRelativeResize="0"/>
+          <p:nvPr/>
+        </p:nvPicPr>
+        <p:blipFill>
+          <a:blip r:embed="rId3">
+            <a:alphaModFix/>
+          </a:blip>
+          <a:stretch>
+            <a:fillRect/>
+          </a:stretch>
+        </p:blipFill>
+        <p:spPr>
+          <a:xfrm>
+            <a:off x="2966700" y="217979"/>
+            <a:ext cx="6086001" cy="4732372"/>
+          </a:xfrm>
+          <a:prstGeom prst="rect">
+            <a:avLst/>
+          </a:prstGeom>
+          <a:noFill/>
+          <a:ln>
+            <a:noFill/>
+          </a:ln>
+        </p:spPr>
+      </p:pic>
     </p:spTree>
   </p:cSld>
   <p:clrMapOvr>
@@ -20662,6 +19744,285 @@
 </file>
 
 <file path=ppt/theme/theme1.xml><?xml version="1.0" encoding="utf-8"?>
+<a:theme xmlns:a="http://schemas.openxmlformats.org/drawingml/2006/main" xmlns:r="http://schemas.openxmlformats.org/officeDocument/2006/relationships" name="Luxe">
+  <a:themeElements>
+    <a:clrScheme name="Luxe">
+      <a:dk1>
+        <a:srgbClr val="000000"/>
+      </a:dk1>
+      <a:lt1>
+        <a:srgbClr val="FFFFFF"/>
+      </a:lt1>
+      <a:dk2>
+        <a:srgbClr val="B7B7B7"/>
+      </a:dk2>
+      <a:lt2>
+        <a:srgbClr val="CCA677"/>
+      </a:lt2>
+      <a:accent1>
+        <a:srgbClr val="5D4037"/>
+      </a:accent1>
+      <a:accent2>
+        <a:srgbClr val="455A64"/>
+      </a:accent2>
+      <a:accent3>
+        <a:srgbClr val="607D8B"/>
+      </a:accent3>
+      <a:accent4>
+        <a:srgbClr val="78909C"/>
+      </a:accent4>
+      <a:accent5>
+        <a:srgbClr val="57BB8A"/>
+      </a:accent5>
+      <a:accent6>
+        <a:srgbClr val="DCE755"/>
+      </a:accent6>
+      <a:hlink>
+        <a:srgbClr val="57BB8A"/>
+      </a:hlink>
+      <a:folHlink>
+        <a:srgbClr val="57BB8A"/>
+      </a:folHlink>
+    </a:clrScheme>
+    <a:fontScheme name="Office">
+      <a:majorFont>
+        <a:latin typeface="Arial"/>
+        <a:ea typeface=""/>
+        <a:cs typeface=""/>
+        <a:font script="Jpan" typeface="ＭＳ Ｐゴシック"/>
+        <a:font script="Hang" typeface="맑은 고딕"/>
+        <a:font script="Hans" typeface="宋体"/>
+        <a:font script="Hant" typeface="新細明體"/>
+        <a:font script="Arab" typeface="Times New Roman"/>
+        <a:font script="Hebr" typeface="Times New Roman"/>
+        <a:font script="Thai" typeface="Angsana New"/>
+        <a:font script="Ethi" typeface="Nyala"/>
+        <a:font script="Beng" typeface="Vrinda"/>
+        <a:font script="Gujr" typeface="Shruti"/>
+        <a:font script="Khmr" typeface="MoolBoran"/>
+        <a:font script="Knda" typeface="Tunga"/>
+        <a:font script="Guru" typeface="Raavi"/>
+        <a:font script="Cans" typeface="Euphemia"/>
+        <a:font script="Cher" typeface="Plantagenet Cherokee"/>
+        <a:font script="Yiii" typeface="Microsoft Yi Baiti"/>
+        <a:font script="Tibt" typeface="Microsoft Himalaya"/>
+        <a:font script="Thaa" typeface="MV Boli"/>
+        <a:font script="Deva" typeface="Mangal"/>
+        <a:font script="Telu" typeface="Gautami"/>
+        <a:font script="Taml" typeface="Latha"/>
+        <a:font script="Syrc" typeface="Estrangelo Edessa"/>
+        <a:font script="Orya" typeface="Kalinga"/>
+        <a:font script="Mlym" typeface="Kartika"/>
+        <a:font script="Laoo" typeface="DokChampa"/>
+        <a:font script="Sinh" typeface="Iskoola Pota"/>
+        <a:font script="Mong" typeface="Mongolian Baiti"/>
+        <a:font script="Viet" typeface="Times New Roman"/>
+        <a:font script="Uigh" typeface="Microsoft Uighur"/>
+        <a:font script="Geor" typeface="Sylfaen"/>
+      </a:majorFont>
+      <a:minorFont>
+        <a:latin typeface="Arial"/>
+        <a:ea typeface=""/>
+        <a:cs typeface=""/>
+        <a:font script="Jpan" typeface="ＭＳ Ｐゴシック"/>
+        <a:font script="Hang" typeface="맑은 고딕"/>
+        <a:font script="Hans" typeface="宋体"/>
+        <a:font script="Hant" typeface="新細明體"/>
+        <a:font script="Arab" typeface="Arial"/>
+        <a:font script="Hebr" typeface="Arial"/>
+        <a:font script="Thai" typeface="Cordia New"/>
+        <a:font script="Ethi" typeface="Nyala"/>
+        <a:font script="Beng" typeface="Vrinda"/>
+        <a:font script="Gujr" typeface="Shruti"/>
+        <a:font script="Khmr" typeface="DaunPenh"/>
+        <a:font script="Knda" typeface="Tunga"/>
+        <a:font script="Guru" typeface="Raavi"/>
+        <a:font script="Cans" typeface="Euphemia"/>
+        <a:font script="Cher" typeface="Plantagenet Cherokee"/>
+        <a:font script="Yiii" typeface="Microsoft Yi Baiti"/>
+        <a:font script="Tibt" typeface="Microsoft Himalaya"/>
+        <a:font script="Thaa" typeface="MV Boli"/>
+        <a:font script="Deva" typeface="Mangal"/>
+        <a:font script="Telu" typeface="Gautami"/>
+        <a:font script="Taml" typeface="Latha"/>
+        <a:font script="Syrc" typeface="Estrangelo Edessa"/>
+        <a:font script="Orya" typeface="Kalinga"/>
+        <a:font script="Mlym" typeface="Kartika"/>
+        <a:font script="Laoo" typeface="DokChampa"/>
+        <a:font script="Sinh" typeface="Iskoola Pota"/>
+        <a:font script="Mong" typeface="Mongolian Baiti"/>
+        <a:font script="Viet" typeface="Arial"/>
+        <a:font script="Uigh" typeface="Microsoft Uighur"/>
+        <a:font script="Geor" typeface="Sylfaen"/>
+      </a:minorFont>
+    </a:fontScheme>
+    <a:fmtScheme name="Office">
+      <a:fillStyleLst>
+        <a:solidFill>
+          <a:schemeClr val="phClr"/>
+        </a:solidFill>
+        <a:gradFill rotWithShape="1">
+          <a:gsLst>
+            <a:gs pos="0">
+              <a:schemeClr val="phClr">
+                <a:tint val="50000"/>
+                <a:satMod val="300000"/>
+              </a:schemeClr>
+            </a:gs>
+            <a:gs pos="35000">
+              <a:schemeClr val="phClr">
+                <a:tint val="37000"/>
+                <a:satMod val="300000"/>
+              </a:schemeClr>
+            </a:gs>
+            <a:gs pos="100000">
+              <a:schemeClr val="phClr">
+                <a:tint val="15000"/>
+                <a:satMod val="350000"/>
+              </a:schemeClr>
+            </a:gs>
+          </a:gsLst>
+          <a:lin ang="16200000" scaled="1"/>
+        </a:gradFill>
+        <a:gradFill rotWithShape="1">
+          <a:gsLst>
+            <a:gs pos="0">
+              <a:schemeClr val="phClr">
+                <a:tint val="100000"/>
+                <a:shade val="100000"/>
+                <a:satMod val="130000"/>
+              </a:schemeClr>
+            </a:gs>
+            <a:gs pos="100000">
+              <a:schemeClr val="phClr">
+                <a:tint val="50000"/>
+                <a:shade val="100000"/>
+                <a:satMod val="350000"/>
+              </a:schemeClr>
+            </a:gs>
+          </a:gsLst>
+          <a:lin ang="16200000" scaled="0"/>
+        </a:gradFill>
+      </a:fillStyleLst>
+      <a:lnStyleLst>
+        <a:ln w="9525" cap="flat" cmpd="sng" algn="ctr">
+          <a:solidFill>
+            <a:schemeClr val="phClr">
+              <a:shade val="95000"/>
+              <a:satMod val="105000"/>
+            </a:schemeClr>
+          </a:solidFill>
+          <a:prstDash val="solid"/>
+        </a:ln>
+        <a:ln w="25400" cap="flat" cmpd="sng" algn="ctr">
+          <a:solidFill>
+            <a:schemeClr val="phClr"/>
+          </a:solidFill>
+          <a:prstDash val="solid"/>
+        </a:ln>
+        <a:ln w="38100" cap="flat" cmpd="sng" algn="ctr">
+          <a:solidFill>
+            <a:schemeClr val="phClr"/>
+          </a:solidFill>
+          <a:prstDash val="solid"/>
+        </a:ln>
+      </a:lnStyleLst>
+      <a:effectStyleLst>
+        <a:effectStyle>
+          <a:effectLst>
+            <a:outerShdw blurRad="40000" dist="20000" dir="5400000" rotWithShape="0">
+              <a:srgbClr val="000000">
+                <a:alpha val="38000"/>
+              </a:srgbClr>
+            </a:outerShdw>
+          </a:effectLst>
+        </a:effectStyle>
+        <a:effectStyle>
+          <a:effectLst>
+            <a:outerShdw blurRad="40000" dist="23000" dir="5400000" rotWithShape="0">
+              <a:srgbClr val="000000">
+                <a:alpha val="35000"/>
+              </a:srgbClr>
+            </a:outerShdw>
+          </a:effectLst>
+        </a:effectStyle>
+        <a:effectStyle>
+          <a:effectLst>
+            <a:outerShdw blurRad="40000" dist="23000" dir="5400000" rotWithShape="0">
+              <a:srgbClr val="000000">
+                <a:alpha val="35000"/>
+              </a:srgbClr>
+            </a:outerShdw>
+          </a:effectLst>
+          <a:scene3d>
+            <a:camera prst="orthographicFront">
+              <a:rot lat="0" lon="0" rev="0"/>
+            </a:camera>
+            <a:lightRig rig="threePt" dir="t">
+              <a:rot lat="0" lon="0" rev="1200000"/>
+            </a:lightRig>
+          </a:scene3d>
+          <a:sp3d>
+            <a:bevelT w="63500" h="25400"/>
+          </a:sp3d>
+        </a:effectStyle>
+      </a:effectStyleLst>
+      <a:bgFillStyleLst>
+        <a:solidFill>
+          <a:schemeClr val="phClr"/>
+        </a:solidFill>
+        <a:gradFill rotWithShape="1">
+          <a:gsLst>
+            <a:gs pos="0">
+              <a:schemeClr val="phClr">
+                <a:tint val="40000"/>
+                <a:satMod val="350000"/>
+              </a:schemeClr>
+            </a:gs>
+            <a:gs pos="40000">
+              <a:schemeClr val="phClr">
+                <a:tint val="45000"/>
+                <a:shade val="99000"/>
+                <a:satMod val="350000"/>
+              </a:schemeClr>
+            </a:gs>
+            <a:gs pos="100000">
+              <a:schemeClr val="phClr">
+                <a:shade val="20000"/>
+                <a:satMod val="255000"/>
+              </a:schemeClr>
+            </a:gs>
+          </a:gsLst>
+          <a:path path="circle">
+            <a:fillToRect l="50000" t="-80000" r="50000" b="180000"/>
+          </a:path>
+        </a:gradFill>
+        <a:gradFill rotWithShape="1">
+          <a:gsLst>
+            <a:gs pos="0">
+              <a:schemeClr val="phClr">
+                <a:tint val="80000"/>
+                <a:satMod val="300000"/>
+              </a:schemeClr>
+            </a:gs>
+            <a:gs pos="100000">
+              <a:schemeClr val="phClr">
+                <a:shade val="30000"/>
+                <a:satMod val="200000"/>
+              </a:schemeClr>
+            </a:gs>
+          </a:gsLst>
+          <a:path path="circle">
+            <a:fillToRect l="50000" t="50000" r="50000" b="50000"/>
+          </a:path>
+        </a:gradFill>
+      </a:bgFillStyleLst>
+    </a:fmtScheme>
+  </a:themeElements>
+</a:theme>
+</file>
+
+<file path=ppt/theme/theme2.xml><?xml version="1.0" encoding="utf-8"?>
 <a:theme xmlns:a="http://schemas.openxmlformats.org/drawingml/2006/main" xmlns:r="http://schemas.openxmlformats.org/officeDocument/2006/relationships">
   <a:themeElements>
     <a:clrScheme name="Default">
@@ -20938,283 +20299,4 @@
     </a:fmtScheme>
   </a:themeElements>
 </a:theme>
-</file>
-
-<file path=ppt/theme/theme2.xml><?xml version="1.0" encoding="utf-8"?>
-<a:theme xmlns:a="http://schemas.openxmlformats.org/drawingml/2006/main" xmlns:r="http://schemas.openxmlformats.org/officeDocument/2006/relationships" name="Luxe">
-  <a:themeElements>
-    <a:clrScheme name="Luxe">
-      <a:dk1>
-        <a:srgbClr val="000000"/>
-      </a:dk1>
-      <a:lt1>
-        <a:srgbClr val="FFFFFF"/>
-      </a:lt1>
-      <a:dk2>
-        <a:srgbClr val="B7B7B7"/>
-      </a:dk2>
-      <a:lt2>
-        <a:srgbClr val="CCA677"/>
-      </a:lt2>
-      <a:accent1>
-        <a:srgbClr val="5D4037"/>
-      </a:accent1>
-      <a:accent2>
-        <a:srgbClr val="455A64"/>
-      </a:accent2>
-      <a:accent3>
-        <a:srgbClr val="607D8B"/>
-      </a:accent3>
-      <a:accent4>
-        <a:srgbClr val="78909C"/>
-      </a:accent4>
-      <a:accent5>
-        <a:srgbClr val="57BB8A"/>
-      </a:accent5>
-      <a:accent6>
-        <a:srgbClr val="DCE755"/>
-      </a:accent6>
-      <a:hlink>
-        <a:srgbClr val="57BB8A"/>
-      </a:hlink>
-      <a:folHlink>
-        <a:srgbClr val="57BB8A"/>
-      </a:folHlink>
-    </a:clrScheme>
-    <a:fontScheme name="Office">
-      <a:majorFont>
-        <a:latin typeface="Arial"/>
-        <a:ea typeface=""/>
-        <a:cs typeface=""/>
-        <a:font script="Jpan" typeface="ＭＳ Ｐゴシック"/>
-        <a:font script="Hang" typeface="맑은 고딕"/>
-        <a:font script="Hans" typeface="宋体"/>
-        <a:font script="Hant" typeface="新細明體"/>
-        <a:font script="Arab" typeface="Times New Roman"/>
-        <a:font script="Hebr" typeface="Times New Roman"/>
-        <a:font script="Thai" typeface="Angsana New"/>
-        <a:font script="Ethi" typeface="Nyala"/>
-        <a:font script="Beng" typeface="Vrinda"/>
-        <a:font script="Gujr" typeface="Shruti"/>
-        <a:font script="Khmr" typeface="MoolBoran"/>
-        <a:font script="Knda" typeface="Tunga"/>
-        <a:font script="Guru" typeface="Raavi"/>
-        <a:font script="Cans" typeface="Euphemia"/>
-        <a:font script="Cher" typeface="Plantagenet Cherokee"/>
-        <a:font script="Yiii" typeface="Microsoft Yi Baiti"/>
-        <a:font script="Tibt" typeface="Microsoft Himalaya"/>
-        <a:font script="Thaa" typeface="MV Boli"/>
-        <a:font script="Deva" typeface="Mangal"/>
-        <a:font script="Telu" typeface="Gautami"/>
-        <a:font script="Taml" typeface="Latha"/>
-        <a:font script="Syrc" typeface="Estrangelo Edessa"/>
-        <a:font script="Orya" typeface="Kalinga"/>
-        <a:font script="Mlym" typeface="Kartika"/>
-        <a:font script="Laoo" typeface="DokChampa"/>
-        <a:font script="Sinh" typeface="Iskoola Pota"/>
-        <a:font script="Mong" typeface="Mongolian Baiti"/>
-        <a:font script="Viet" typeface="Times New Roman"/>
-        <a:font script="Uigh" typeface="Microsoft Uighur"/>
-        <a:font script="Geor" typeface="Sylfaen"/>
-      </a:majorFont>
-      <a:minorFont>
-        <a:latin typeface="Arial"/>
-        <a:ea typeface=""/>
-        <a:cs typeface=""/>
-        <a:font script="Jpan" typeface="ＭＳ Ｐゴシック"/>
-        <a:font script="Hang" typeface="맑은 고딕"/>
-        <a:font script="Hans" typeface="宋体"/>
-        <a:font script="Hant" typeface="新細明體"/>
-        <a:font script="Arab" typeface="Arial"/>
-        <a:font script="Hebr" typeface="Arial"/>
-        <a:font script="Thai" typeface="Cordia New"/>
-        <a:font script="Ethi" typeface="Nyala"/>
-        <a:font script="Beng" typeface="Vrinda"/>
-        <a:font script="Gujr" typeface="Shruti"/>
-        <a:font script="Khmr" typeface="DaunPenh"/>
-        <a:font script="Knda" typeface="Tunga"/>
-        <a:font script="Guru" typeface="Raavi"/>
-        <a:font script="Cans" typeface="Euphemia"/>
-        <a:font script="Cher" typeface="Plantagenet Cherokee"/>
-        <a:font script="Yiii" typeface="Microsoft Yi Baiti"/>
-        <a:font script="Tibt" typeface="Microsoft Himalaya"/>
-        <a:font script="Thaa" typeface="MV Boli"/>
-        <a:font script="Deva" typeface="Mangal"/>
-        <a:font script="Telu" typeface="Gautami"/>
-        <a:font script="Taml" typeface="Latha"/>
-        <a:font script="Syrc" typeface="Estrangelo Edessa"/>
-        <a:font script="Orya" typeface="Kalinga"/>
-        <a:font script="Mlym" typeface="Kartika"/>
-        <a:font script="Laoo" typeface="DokChampa"/>
-        <a:font script="Sinh" typeface="Iskoola Pota"/>
-        <a:font script="Mong" typeface="Mongolian Baiti"/>
-        <a:font script="Viet" typeface="Arial"/>
-        <a:font script="Uigh" typeface="Microsoft Uighur"/>
-        <a:font script="Geor" typeface="Sylfaen"/>
-      </a:minorFont>
-    </a:fontScheme>
-    <a:fmtScheme name="Office">
-      <a:fillStyleLst>
-        <a:solidFill>
-          <a:schemeClr val="phClr"/>
-        </a:solidFill>
-        <a:gradFill rotWithShape="1">
-          <a:gsLst>
-            <a:gs pos="0">
-              <a:schemeClr val="phClr">
-                <a:tint val="50000"/>
-                <a:satMod val="300000"/>
-              </a:schemeClr>
-            </a:gs>
-            <a:gs pos="35000">
-              <a:schemeClr val="phClr">
-                <a:tint val="37000"/>
-                <a:satMod val="300000"/>
-              </a:schemeClr>
-            </a:gs>
-            <a:gs pos="100000">
-              <a:schemeClr val="phClr">
-                <a:tint val="15000"/>
-                <a:satMod val="350000"/>
-              </a:schemeClr>
-            </a:gs>
-          </a:gsLst>
-          <a:lin ang="16200000" scaled="1"/>
-        </a:gradFill>
-        <a:gradFill rotWithShape="1">
-          <a:gsLst>
-            <a:gs pos="0">
-              <a:schemeClr val="phClr">
-                <a:tint val="100000"/>
-                <a:shade val="100000"/>
-                <a:satMod val="130000"/>
-              </a:schemeClr>
-            </a:gs>
-            <a:gs pos="100000">
-              <a:schemeClr val="phClr">
-                <a:tint val="50000"/>
-                <a:shade val="100000"/>
-                <a:satMod val="350000"/>
-              </a:schemeClr>
-            </a:gs>
-          </a:gsLst>
-          <a:lin ang="16200000" scaled="0"/>
-        </a:gradFill>
-      </a:fillStyleLst>
-      <a:lnStyleLst>
-        <a:ln w="9525" cap="flat" cmpd="sng" algn="ctr">
-          <a:solidFill>
-            <a:schemeClr val="phClr">
-              <a:shade val="95000"/>
-              <a:satMod val="105000"/>
-            </a:schemeClr>
-          </a:solidFill>
-          <a:prstDash val="solid"/>
-        </a:ln>
-        <a:ln w="25400" cap="flat" cmpd="sng" algn="ctr">
-          <a:solidFill>
-            <a:schemeClr val="phClr"/>
-          </a:solidFill>
-          <a:prstDash val="solid"/>
-        </a:ln>
-        <a:ln w="38100" cap="flat" cmpd="sng" algn="ctr">
-          <a:solidFill>
-            <a:schemeClr val="phClr"/>
-          </a:solidFill>
-          <a:prstDash val="solid"/>
-        </a:ln>
-      </a:lnStyleLst>
-      <a:effectStyleLst>
-        <a:effectStyle>
-          <a:effectLst>
-            <a:outerShdw blurRad="40000" dist="20000" dir="5400000" rotWithShape="0">
-              <a:srgbClr val="000000">
-                <a:alpha val="38000"/>
-              </a:srgbClr>
-            </a:outerShdw>
-          </a:effectLst>
-        </a:effectStyle>
-        <a:effectStyle>
-          <a:effectLst>
-            <a:outerShdw blurRad="40000" dist="23000" dir="5400000" rotWithShape="0">
-              <a:srgbClr val="000000">
-                <a:alpha val="35000"/>
-              </a:srgbClr>
-            </a:outerShdw>
-          </a:effectLst>
-        </a:effectStyle>
-        <a:effectStyle>
-          <a:effectLst>
-            <a:outerShdw blurRad="40000" dist="23000" dir="5400000" rotWithShape="0">
-              <a:srgbClr val="000000">
-                <a:alpha val="35000"/>
-              </a:srgbClr>
-            </a:outerShdw>
-          </a:effectLst>
-          <a:scene3d>
-            <a:camera prst="orthographicFront">
-              <a:rot lat="0" lon="0" rev="0"/>
-            </a:camera>
-            <a:lightRig rig="threePt" dir="t">
-              <a:rot lat="0" lon="0" rev="1200000"/>
-            </a:lightRig>
-          </a:scene3d>
-          <a:sp3d>
-            <a:bevelT w="63500" h="25400"/>
-          </a:sp3d>
-        </a:effectStyle>
-      </a:effectStyleLst>
-      <a:bgFillStyleLst>
-        <a:solidFill>
-          <a:schemeClr val="phClr"/>
-        </a:solidFill>
-        <a:gradFill rotWithShape="1">
-          <a:gsLst>
-            <a:gs pos="0">
-              <a:schemeClr val="phClr">
-                <a:tint val="40000"/>
-                <a:satMod val="350000"/>
-              </a:schemeClr>
-            </a:gs>
-            <a:gs pos="40000">
-              <a:schemeClr val="phClr">
-                <a:tint val="45000"/>
-                <a:shade val="99000"/>
-                <a:satMod val="350000"/>
-              </a:schemeClr>
-            </a:gs>
-            <a:gs pos="100000">
-              <a:schemeClr val="phClr">
-                <a:shade val="20000"/>
-                <a:satMod val="255000"/>
-              </a:schemeClr>
-            </a:gs>
-          </a:gsLst>
-          <a:path path="circle">
-            <a:fillToRect l="50000" t="-80000" r="50000" b="180000"/>
-          </a:path>
-        </a:gradFill>
-        <a:gradFill rotWithShape="1">
-          <a:gsLst>
-            <a:gs pos="0">
-              <a:schemeClr val="phClr">
-                <a:tint val="80000"/>
-                <a:satMod val="300000"/>
-              </a:schemeClr>
-            </a:gs>
-            <a:gs pos="100000">
-              <a:schemeClr val="phClr">
-                <a:shade val="30000"/>
-                <a:satMod val="200000"/>
-              </a:schemeClr>
-            </a:gs>
-          </a:gsLst>
-          <a:path path="circle">
-            <a:fillToRect l="50000" t="50000" r="50000" b="50000"/>
-          </a:path>
-        </a:gradFill>
-      </a:bgFillStyleLst>
-    </a:fmtScheme>
-  </a:themeElements>
-</a:theme>
 </file>